--- a/results/schematic.pptx
+++ b/results/schematic.pptx
@@ -5,13 +5,14 @@
     <p:sldMasterId id="2147483648" r:id="rId1"/>
   </p:sldMasterIdLst>
   <p:notesMasterIdLst>
-    <p:notesMasterId r:id="rId3"/>
+    <p:notesMasterId r:id="rId4"/>
   </p:notesMasterIdLst>
   <p:handoutMasterIdLst>
-    <p:handoutMasterId r:id="rId4"/>
+    <p:handoutMasterId r:id="rId5"/>
   </p:handoutMasterIdLst>
   <p:sldIdLst>
     <p:sldId id="257" r:id="rId2"/>
+    <p:sldId id="258" r:id="rId3"/>
   </p:sldIdLst>
   <p:sldSz cx="9144000" cy="6858000" type="screen4x3"/>
   <p:notesSz cx="6858000" cy="9144000"/>
@@ -116,6 +117,7 @@
         <p14:section name="Default Section" id="{4D2FFB3D-56B5-4444-B7A5-1AB381D49605}">
           <p14:sldIdLst>
             <p14:sldId id="257"/>
+            <p14:sldId id="258"/>
           </p14:sldIdLst>
         </p14:section>
       </p14:sectionLst>
@@ -234,7 +236,7 @@
           <a:p>
             <a:fld id="{B1A2FEDD-B18D-4F08-B90A-F02966C56EEE}" type="datetimeFigureOut">
               <a:rPr lang="en-US" smtClean="0"/>
-              <a:t>5/13/20</a:t>
+              <a:t>5/19/20</a:t>
             </a:fld>
             <a:endParaRPr lang="en-US"/>
           </a:p>
@@ -399,7 +401,7 @@
           <a:p>
             <a:fld id="{739AB784-4AF1-413D-AB7B-F5436CAD37BA}" type="datetimeFigureOut">
               <a:rPr lang="en-US" smtClean="0"/>
-              <a:t>5/13/20</a:t>
+              <a:t>5/19/20</a:t>
             </a:fld>
             <a:endParaRPr lang="en-US"/>
           </a:p>
@@ -2070,7 +2072,7 @@
         </p:nvSpPr>
         <p:spPr>
           <a:xfrm rot="19770010">
-            <a:off x="4578724" y="1303026"/>
+            <a:off x="4342517" y="1073160"/>
             <a:ext cx="1500574" cy="792162"/>
           </a:xfrm>
         </p:spPr>
@@ -2101,13 +2103,13 @@
             </a:extLst>
           </p:cNvPr>
           <p:cNvCxnSpPr>
-            <a:stCxn id="24" idx="5"/>
+            <a:cxnSpLocks/>
           </p:cNvCxnSpPr>
           <p:nvPr/>
         </p:nvCxnSpPr>
         <p:spPr>
           <a:xfrm flipV="1">
-            <a:off x="4259350" y="1004997"/>
+            <a:off x="4407443" y="1250816"/>
             <a:ext cx="1351024" cy="800101"/>
           </a:xfrm>
           <a:prstGeom prst="line">
@@ -2142,13 +2144,15 @@
               </a:ext>
             </a:extLst>
           </p:cNvPr>
-          <p:cNvCxnSpPr/>
+          <p:cNvCxnSpPr>
+            <a:cxnSpLocks/>
+          </p:cNvCxnSpPr>
           <p:nvPr/>
         </p:nvCxnSpPr>
         <p:spPr>
           <a:xfrm flipV="1">
-            <a:off x="1610869" y="2540985"/>
-            <a:ext cx="1351024" cy="800101"/>
+            <a:off x="1420097" y="2540986"/>
+            <a:ext cx="1541796" cy="915574"/>
           </a:xfrm>
           <a:prstGeom prst="line">
             <a:avLst/>
@@ -2738,8 +2742,8 @@
         </p:nvCxnSpPr>
         <p:spPr>
           <a:xfrm>
-            <a:off x="2181374" y="3401442"/>
-            <a:ext cx="3429000" cy="477756"/>
+            <a:off x="1707069" y="3331767"/>
+            <a:ext cx="3903305" cy="547431"/>
           </a:xfrm>
           <a:prstGeom prst="line">
             <a:avLst/>
@@ -2947,7 +2951,7 @@
         </p:nvSpPr>
         <p:spPr>
           <a:xfrm>
-            <a:off x="1915634" y="3271758"/>
+            <a:off x="2004909" y="3280535"/>
             <a:ext cx="259367" cy="259367"/>
           </a:xfrm>
           <a:prstGeom prst="rect">
@@ -3861,10 +3865,2527 @@
           </a:p>
         </p:txBody>
       </p:sp>
+      <p:sp>
+        <p:nvSpPr>
+          <p:cNvPr id="33" name="TextBox 32">
+            <a:extLst>
+              <a:ext uri="{FF2B5EF4-FFF2-40B4-BE49-F238E27FC236}">
+                <a16:creationId xmlns:a16="http://schemas.microsoft.com/office/drawing/2014/main" id="{C5616219-1D45-5A46-B822-99662E605050}"/>
+              </a:ext>
+            </a:extLst>
+          </p:cNvPr>
+          <p:cNvSpPr txBox="1"/>
+          <p:nvPr/>
+        </p:nvSpPr>
+        <p:spPr>
+          <a:xfrm>
+            <a:off x="105571" y="103518"/>
+            <a:ext cx="1981200" cy="369332"/>
+          </a:xfrm>
+          <a:prstGeom prst="rect">
+            <a:avLst/>
+          </a:prstGeom>
+          <a:noFill/>
+        </p:spPr>
+        <p:txBody>
+          <a:bodyPr wrap="square" rtlCol="0">
+            <a:spAutoFit/>
+          </a:bodyPr>
+          <a:lstStyle/>
+          <a:p>
+            <a:r>
+              <a:rPr lang="en-US" dirty="0"/>
+              <a:t>Updated 5/19/20</a:t>
+            </a:r>
+          </a:p>
+        </p:txBody>
+      </p:sp>
+      <p:sp>
+        <p:nvSpPr>
+          <p:cNvPr id="35" name="Content Placeholder 2">
+            <a:extLst>
+              <a:ext uri="{FF2B5EF4-FFF2-40B4-BE49-F238E27FC236}">
+                <a16:creationId xmlns:a16="http://schemas.microsoft.com/office/drawing/2014/main" id="{A80ED005-B04C-FB41-AD34-00904BB02F91}"/>
+              </a:ext>
+            </a:extLst>
+          </p:cNvPr>
+          <p:cNvSpPr txBox="1">
+            <a:spLocks/>
+          </p:cNvSpPr>
+          <p:nvPr/>
+        </p:nvSpPr>
+        <p:spPr>
+          <a:xfrm rot="1840849">
+            <a:off x="3916543" y="2908905"/>
+            <a:ext cx="1500574" cy="792162"/>
+          </a:xfrm>
+          <a:prstGeom prst="rect">
+            <a:avLst/>
+          </a:prstGeom>
+        </p:spPr>
+        <p:txBody>
+          <a:bodyPr vert="horz" lIns="91440" tIns="45720" rIns="91440" bIns="45720" rtlCol="0">
+            <a:normAutofit/>
+          </a:bodyPr>
+          <a:lstStyle>
+            <a:lvl1pPr marL="342900" indent="-342900" algn="l" defTabSz="914400" rtl="0" eaLnBrk="1" latinLnBrk="0" hangingPunct="1">
+              <a:spcBef>
+                <a:spcPct val="20000"/>
+              </a:spcBef>
+              <a:buFont typeface="Arial" pitchFamily="34" charset="0"/>
+              <a:buNone/>
+              <a:defRPr sz="2800" b="0" i="0" kern="1200">
+                <a:solidFill>
+                  <a:schemeClr val="tx1">
+                    <a:lumMod val="85000"/>
+                    <a:lumOff val="15000"/>
+                  </a:schemeClr>
+                </a:solidFill>
+                <a:latin typeface="Source Sans Pro Light" charset="0"/>
+                <a:ea typeface="Source Sans Pro Light" charset="0"/>
+                <a:cs typeface="Source Sans Pro Light" charset="0"/>
+              </a:defRPr>
+            </a:lvl1pPr>
+            <a:lvl2pPr marL="742950" indent="-285750" algn="l" defTabSz="914400" rtl="0" eaLnBrk="1" latinLnBrk="0" hangingPunct="1">
+              <a:spcBef>
+                <a:spcPct val="20000"/>
+              </a:spcBef>
+              <a:buFont typeface="Arial" panose="020B0604020202020204" pitchFamily="34" charset="0"/>
+              <a:buChar char="•"/>
+              <a:defRPr sz="2400" b="0" i="0" kern="1200">
+                <a:solidFill>
+                  <a:schemeClr val="tx1">
+                    <a:lumMod val="85000"/>
+                    <a:lumOff val="15000"/>
+                  </a:schemeClr>
+                </a:solidFill>
+                <a:latin typeface="Source Sans Pro Light" charset="0"/>
+                <a:ea typeface="Source Sans Pro Light" charset="0"/>
+                <a:cs typeface="Source Sans Pro Light" charset="0"/>
+              </a:defRPr>
+            </a:lvl2pPr>
+            <a:lvl3pPr marL="1143000" indent="-228600" algn="l" defTabSz="914400" rtl="0" eaLnBrk="1" latinLnBrk="0" hangingPunct="1">
+              <a:spcBef>
+                <a:spcPct val="20000"/>
+              </a:spcBef>
+              <a:buFont typeface="Arial" pitchFamily="34" charset="0"/>
+              <a:buChar char="•"/>
+              <a:defRPr sz="2000" b="0" i="0" kern="1200">
+                <a:solidFill>
+                  <a:schemeClr val="tx1">
+                    <a:lumMod val="85000"/>
+                    <a:lumOff val="15000"/>
+                  </a:schemeClr>
+                </a:solidFill>
+                <a:latin typeface="Source Sans Pro Light" charset="0"/>
+                <a:ea typeface="Source Sans Pro Light" charset="0"/>
+                <a:cs typeface="Source Sans Pro Light" charset="0"/>
+              </a:defRPr>
+            </a:lvl3pPr>
+            <a:lvl4pPr marL="1600200" indent="-228600" algn="l" defTabSz="914400" rtl="0" eaLnBrk="1" latinLnBrk="0" hangingPunct="1">
+              <a:spcBef>
+                <a:spcPct val="20000"/>
+              </a:spcBef>
+              <a:buFont typeface="Arial" pitchFamily="34" charset="0"/>
+              <a:buChar char="–"/>
+              <a:defRPr sz="2000" b="0" i="0" kern="1200">
+                <a:solidFill>
+                  <a:schemeClr val="tx1">
+                    <a:lumMod val="85000"/>
+                    <a:lumOff val="15000"/>
+                  </a:schemeClr>
+                </a:solidFill>
+                <a:latin typeface="Source Sans Pro Light" charset="0"/>
+                <a:ea typeface="Source Sans Pro Light" charset="0"/>
+                <a:cs typeface="Source Sans Pro Light" charset="0"/>
+              </a:defRPr>
+            </a:lvl4pPr>
+            <a:lvl5pPr marL="2057400" indent="-228600" algn="l" defTabSz="914400" rtl="0" eaLnBrk="1" latinLnBrk="0" hangingPunct="1">
+              <a:spcBef>
+                <a:spcPct val="20000"/>
+              </a:spcBef>
+              <a:buFont typeface="Arial" pitchFamily="34" charset="0"/>
+              <a:buChar char="»"/>
+              <a:defRPr sz="2000" b="0" i="0" kern="1200">
+                <a:solidFill>
+                  <a:schemeClr val="tx1">
+                    <a:lumMod val="85000"/>
+                    <a:lumOff val="15000"/>
+                  </a:schemeClr>
+                </a:solidFill>
+                <a:latin typeface="Source Sans Pro Light" charset="0"/>
+                <a:ea typeface="Source Sans Pro Light" charset="0"/>
+                <a:cs typeface="Source Sans Pro Light" charset="0"/>
+              </a:defRPr>
+            </a:lvl5pPr>
+            <a:lvl6pPr marL="2514600" indent="-228600" algn="l" defTabSz="914400" rtl="0" eaLnBrk="1" latinLnBrk="0" hangingPunct="1">
+              <a:spcBef>
+                <a:spcPct val="20000"/>
+              </a:spcBef>
+              <a:buFont typeface="Arial" pitchFamily="34" charset="0"/>
+              <a:buChar char="•"/>
+              <a:defRPr sz="2000" kern="1200">
+                <a:solidFill>
+                  <a:schemeClr val="tx1"/>
+                </a:solidFill>
+                <a:latin typeface="+mn-lt"/>
+                <a:ea typeface="+mn-ea"/>
+                <a:cs typeface="+mn-cs"/>
+              </a:defRPr>
+            </a:lvl6pPr>
+            <a:lvl7pPr marL="2971800" indent="-228600" algn="l" defTabSz="914400" rtl="0" eaLnBrk="1" latinLnBrk="0" hangingPunct="1">
+              <a:spcBef>
+                <a:spcPct val="20000"/>
+              </a:spcBef>
+              <a:buFont typeface="Arial" pitchFamily="34" charset="0"/>
+              <a:buChar char="•"/>
+              <a:defRPr sz="2000" kern="1200">
+                <a:solidFill>
+                  <a:schemeClr val="tx1"/>
+                </a:solidFill>
+                <a:latin typeface="+mn-lt"/>
+                <a:ea typeface="+mn-ea"/>
+                <a:cs typeface="+mn-cs"/>
+              </a:defRPr>
+            </a:lvl7pPr>
+            <a:lvl8pPr marL="3429000" indent="-228600" algn="l" defTabSz="914400" rtl="0" eaLnBrk="1" latinLnBrk="0" hangingPunct="1">
+              <a:spcBef>
+                <a:spcPct val="20000"/>
+              </a:spcBef>
+              <a:buFont typeface="Arial" pitchFamily="34" charset="0"/>
+              <a:buChar char="•"/>
+              <a:defRPr sz="2000" kern="1200">
+                <a:solidFill>
+                  <a:schemeClr val="tx1"/>
+                </a:solidFill>
+                <a:latin typeface="+mn-lt"/>
+                <a:ea typeface="+mn-ea"/>
+                <a:cs typeface="+mn-cs"/>
+              </a:defRPr>
+            </a:lvl8pPr>
+            <a:lvl9pPr marL="3886200" indent="-228600" algn="l" defTabSz="914400" rtl="0" eaLnBrk="1" latinLnBrk="0" hangingPunct="1">
+              <a:spcBef>
+                <a:spcPct val="20000"/>
+              </a:spcBef>
+              <a:buFont typeface="Arial" pitchFamily="34" charset="0"/>
+              <a:buChar char="•"/>
+              <a:defRPr sz="2000" kern="1200">
+                <a:solidFill>
+                  <a:schemeClr val="tx1"/>
+                </a:solidFill>
+                <a:latin typeface="+mn-lt"/>
+                <a:ea typeface="+mn-ea"/>
+                <a:cs typeface="+mn-cs"/>
+              </a:defRPr>
+            </a:lvl9pPr>
+          </a:lstStyle>
+          <a:p>
+            <a:pPr marL="0" indent="0"/>
+            <a:r>
+              <a:rPr lang="en-US" sz="1400" i="1" dirty="0">
+                <a:latin typeface="Calibri" panose="020F0502020204030204" pitchFamily="34" charset="0"/>
+                <a:cs typeface="Calibri" panose="020F0502020204030204" pitchFamily="34" charset="0"/>
+              </a:rPr>
+              <a:t>French Meadows-Hell Hole Tunnel</a:t>
+            </a:r>
+          </a:p>
+        </p:txBody>
+      </p:sp>
+      <p:sp>
+        <p:nvSpPr>
+          <p:cNvPr id="36" name="Content Placeholder 2">
+            <a:extLst>
+              <a:ext uri="{FF2B5EF4-FFF2-40B4-BE49-F238E27FC236}">
+                <a16:creationId xmlns:a16="http://schemas.microsoft.com/office/drawing/2014/main" id="{0B5402AA-8DF2-1D47-8C4F-693B5DE2AED6}"/>
+              </a:ext>
+            </a:extLst>
+          </p:cNvPr>
+          <p:cNvSpPr txBox="1">
+            <a:spLocks/>
+          </p:cNvSpPr>
+          <p:nvPr/>
+        </p:nvSpPr>
+        <p:spPr>
+          <a:xfrm rot="517142">
+            <a:off x="3197607" y="3676318"/>
+            <a:ext cx="1500574" cy="792162"/>
+          </a:xfrm>
+          <a:prstGeom prst="rect">
+            <a:avLst/>
+          </a:prstGeom>
+        </p:spPr>
+        <p:txBody>
+          <a:bodyPr vert="horz" lIns="91440" tIns="45720" rIns="91440" bIns="45720" rtlCol="0">
+            <a:normAutofit/>
+          </a:bodyPr>
+          <a:lstStyle>
+            <a:lvl1pPr marL="342900" indent="-342900" algn="l" defTabSz="914400" rtl="0" eaLnBrk="1" latinLnBrk="0" hangingPunct="1">
+              <a:spcBef>
+                <a:spcPct val="20000"/>
+              </a:spcBef>
+              <a:buFont typeface="Arial" pitchFamily="34" charset="0"/>
+              <a:buNone/>
+              <a:defRPr sz="2800" b="0" i="0" kern="1200">
+                <a:solidFill>
+                  <a:schemeClr val="tx1">
+                    <a:lumMod val="85000"/>
+                    <a:lumOff val="15000"/>
+                  </a:schemeClr>
+                </a:solidFill>
+                <a:latin typeface="Source Sans Pro Light" charset="0"/>
+                <a:ea typeface="Source Sans Pro Light" charset="0"/>
+                <a:cs typeface="Source Sans Pro Light" charset="0"/>
+              </a:defRPr>
+            </a:lvl1pPr>
+            <a:lvl2pPr marL="742950" indent="-285750" algn="l" defTabSz="914400" rtl="0" eaLnBrk="1" latinLnBrk="0" hangingPunct="1">
+              <a:spcBef>
+                <a:spcPct val="20000"/>
+              </a:spcBef>
+              <a:buFont typeface="Arial" panose="020B0604020202020204" pitchFamily="34" charset="0"/>
+              <a:buChar char="•"/>
+              <a:defRPr sz="2400" b="0" i="0" kern="1200">
+                <a:solidFill>
+                  <a:schemeClr val="tx1">
+                    <a:lumMod val="85000"/>
+                    <a:lumOff val="15000"/>
+                  </a:schemeClr>
+                </a:solidFill>
+                <a:latin typeface="Source Sans Pro Light" charset="0"/>
+                <a:ea typeface="Source Sans Pro Light" charset="0"/>
+                <a:cs typeface="Source Sans Pro Light" charset="0"/>
+              </a:defRPr>
+            </a:lvl2pPr>
+            <a:lvl3pPr marL="1143000" indent="-228600" algn="l" defTabSz="914400" rtl="0" eaLnBrk="1" latinLnBrk="0" hangingPunct="1">
+              <a:spcBef>
+                <a:spcPct val="20000"/>
+              </a:spcBef>
+              <a:buFont typeface="Arial" pitchFamily="34" charset="0"/>
+              <a:buChar char="•"/>
+              <a:defRPr sz="2000" b="0" i="0" kern="1200">
+                <a:solidFill>
+                  <a:schemeClr val="tx1">
+                    <a:lumMod val="85000"/>
+                    <a:lumOff val="15000"/>
+                  </a:schemeClr>
+                </a:solidFill>
+                <a:latin typeface="Source Sans Pro Light" charset="0"/>
+                <a:ea typeface="Source Sans Pro Light" charset="0"/>
+                <a:cs typeface="Source Sans Pro Light" charset="0"/>
+              </a:defRPr>
+            </a:lvl3pPr>
+            <a:lvl4pPr marL="1600200" indent="-228600" algn="l" defTabSz="914400" rtl="0" eaLnBrk="1" latinLnBrk="0" hangingPunct="1">
+              <a:spcBef>
+                <a:spcPct val="20000"/>
+              </a:spcBef>
+              <a:buFont typeface="Arial" pitchFamily="34" charset="0"/>
+              <a:buChar char="–"/>
+              <a:defRPr sz="2000" b="0" i="0" kern="1200">
+                <a:solidFill>
+                  <a:schemeClr val="tx1">
+                    <a:lumMod val="85000"/>
+                    <a:lumOff val="15000"/>
+                  </a:schemeClr>
+                </a:solidFill>
+                <a:latin typeface="Source Sans Pro Light" charset="0"/>
+                <a:ea typeface="Source Sans Pro Light" charset="0"/>
+                <a:cs typeface="Source Sans Pro Light" charset="0"/>
+              </a:defRPr>
+            </a:lvl4pPr>
+            <a:lvl5pPr marL="2057400" indent="-228600" algn="l" defTabSz="914400" rtl="0" eaLnBrk="1" latinLnBrk="0" hangingPunct="1">
+              <a:spcBef>
+                <a:spcPct val="20000"/>
+              </a:spcBef>
+              <a:buFont typeface="Arial" pitchFamily="34" charset="0"/>
+              <a:buChar char="»"/>
+              <a:defRPr sz="2000" b="0" i="0" kern="1200">
+                <a:solidFill>
+                  <a:schemeClr val="tx1">
+                    <a:lumMod val="85000"/>
+                    <a:lumOff val="15000"/>
+                  </a:schemeClr>
+                </a:solidFill>
+                <a:latin typeface="Source Sans Pro Light" charset="0"/>
+                <a:ea typeface="Source Sans Pro Light" charset="0"/>
+                <a:cs typeface="Source Sans Pro Light" charset="0"/>
+              </a:defRPr>
+            </a:lvl5pPr>
+            <a:lvl6pPr marL="2514600" indent="-228600" algn="l" defTabSz="914400" rtl="0" eaLnBrk="1" latinLnBrk="0" hangingPunct="1">
+              <a:spcBef>
+                <a:spcPct val="20000"/>
+              </a:spcBef>
+              <a:buFont typeface="Arial" pitchFamily="34" charset="0"/>
+              <a:buChar char="•"/>
+              <a:defRPr sz="2000" kern="1200">
+                <a:solidFill>
+                  <a:schemeClr val="tx1"/>
+                </a:solidFill>
+                <a:latin typeface="+mn-lt"/>
+                <a:ea typeface="+mn-ea"/>
+                <a:cs typeface="+mn-cs"/>
+              </a:defRPr>
+            </a:lvl6pPr>
+            <a:lvl7pPr marL="2971800" indent="-228600" algn="l" defTabSz="914400" rtl="0" eaLnBrk="1" latinLnBrk="0" hangingPunct="1">
+              <a:spcBef>
+                <a:spcPct val="20000"/>
+              </a:spcBef>
+              <a:buFont typeface="Arial" pitchFamily="34" charset="0"/>
+              <a:buChar char="•"/>
+              <a:defRPr sz="2000" kern="1200">
+                <a:solidFill>
+                  <a:schemeClr val="tx1"/>
+                </a:solidFill>
+                <a:latin typeface="+mn-lt"/>
+                <a:ea typeface="+mn-ea"/>
+                <a:cs typeface="+mn-cs"/>
+              </a:defRPr>
+            </a:lvl7pPr>
+            <a:lvl8pPr marL="3429000" indent="-228600" algn="l" defTabSz="914400" rtl="0" eaLnBrk="1" latinLnBrk="0" hangingPunct="1">
+              <a:spcBef>
+                <a:spcPct val="20000"/>
+              </a:spcBef>
+              <a:buFont typeface="Arial" pitchFamily="34" charset="0"/>
+              <a:buChar char="•"/>
+              <a:defRPr sz="2000" kern="1200">
+                <a:solidFill>
+                  <a:schemeClr val="tx1"/>
+                </a:solidFill>
+                <a:latin typeface="+mn-lt"/>
+                <a:ea typeface="+mn-ea"/>
+                <a:cs typeface="+mn-cs"/>
+              </a:defRPr>
+            </a:lvl8pPr>
+            <a:lvl9pPr marL="3886200" indent="-228600" algn="l" defTabSz="914400" rtl="0" eaLnBrk="1" latinLnBrk="0" hangingPunct="1">
+              <a:spcBef>
+                <a:spcPct val="20000"/>
+              </a:spcBef>
+              <a:buFont typeface="Arial" pitchFamily="34" charset="0"/>
+              <a:buChar char="•"/>
+              <a:defRPr sz="2000" kern="1200">
+                <a:solidFill>
+                  <a:schemeClr val="tx1"/>
+                </a:solidFill>
+                <a:latin typeface="+mn-lt"/>
+                <a:ea typeface="+mn-ea"/>
+                <a:cs typeface="+mn-cs"/>
+              </a:defRPr>
+            </a:lvl9pPr>
+          </a:lstStyle>
+          <a:p>
+            <a:pPr marL="0" indent="0"/>
+            <a:r>
+              <a:rPr lang="en-US" sz="1400" i="1" dirty="0">
+                <a:latin typeface="Calibri" panose="020F0502020204030204" pitchFamily="34" charset="0"/>
+                <a:cs typeface="Calibri" panose="020F0502020204030204" pitchFamily="34" charset="0"/>
+              </a:rPr>
+              <a:t>Hell Hole-Middle Fork Tunnel</a:t>
+            </a:r>
+          </a:p>
+        </p:txBody>
+      </p:sp>
+      <p:sp>
+        <p:nvSpPr>
+          <p:cNvPr id="37" name="Content Placeholder 2">
+            <a:extLst>
+              <a:ext uri="{FF2B5EF4-FFF2-40B4-BE49-F238E27FC236}">
+                <a16:creationId xmlns:a16="http://schemas.microsoft.com/office/drawing/2014/main" id="{B14C45C6-ADED-634F-9FD4-5ABC9EE335C1}"/>
+              </a:ext>
+            </a:extLst>
+          </p:cNvPr>
+          <p:cNvSpPr txBox="1">
+            <a:spLocks/>
+          </p:cNvSpPr>
+          <p:nvPr/>
+        </p:nvSpPr>
+        <p:spPr>
+          <a:xfrm>
+            <a:off x="5784775" y="844378"/>
+            <a:ext cx="1500574" cy="792162"/>
+          </a:xfrm>
+          <a:prstGeom prst="rect">
+            <a:avLst/>
+          </a:prstGeom>
+        </p:spPr>
+        <p:txBody>
+          <a:bodyPr vert="horz" lIns="91440" tIns="45720" rIns="91440" bIns="45720" rtlCol="0">
+            <a:normAutofit/>
+          </a:bodyPr>
+          <a:lstStyle>
+            <a:lvl1pPr marL="342900" indent="-342900" algn="l" defTabSz="914400" rtl="0" eaLnBrk="1" latinLnBrk="0" hangingPunct="1">
+              <a:spcBef>
+                <a:spcPct val="20000"/>
+              </a:spcBef>
+              <a:buFont typeface="Arial" pitchFamily="34" charset="0"/>
+              <a:buNone/>
+              <a:defRPr sz="2800" b="0" i="0" kern="1200">
+                <a:solidFill>
+                  <a:schemeClr val="tx1">
+                    <a:lumMod val="85000"/>
+                    <a:lumOff val="15000"/>
+                  </a:schemeClr>
+                </a:solidFill>
+                <a:latin typeface="Source Sans Pro Light" charset="0"/>
+                <a:ea typeface="Source Sans Pro Light" charset="0"/>
+                <a:cs typeface="Source Sans Pro Light" charset="0"/>
+              </a:defRPr>
+            </a:lvl1pPr>
+            <a:lvl2pPr marL="742950" indent="-285750" algn="l" defTabSz="914400" rtl="0" eaLnBrk="1" latinLnBrk="0" hangingPunct="1">
+              <a:spcBef>
+                <a:spcPct val="20000"/>
+              </a:spcBef>
+              <a:buFont typeface="Arial" panose="020B0604020202020204" pitchFamily="34" charset="0"/>
+              <a:buChar char="•"/>
+              <a:defRPr sz="2400" b="0" i="0" kern="1200">
+                <a:solidFill>
+                  <a:schemeClr val="tx1">
+                    <a:lumMod val="85000"/>
+                    <a:lumOff val="15000"/>
+                  </a:schemeClr>
+                </a:solidFill>
+                <a:latin typeface="Source Sans Pro Light" charset="0"/>
+                <a:ea typeface="Source Sans Pro Light" charset="0"/>
+                <a:cs typeface="Source Sans Pro Light" charset="0"/>
+              </a:defRPr>
+            </a:lvl2pPr>
+            <a:lvl3pPr marL="1143000" indent="-228600" algn="l" defTabSz="914400" rtl="0" eaLnBrk="1" latinLnBrk="0" hangingPunct="1">
+              <a:spcBef>
+                <a:spcPct val="20000"/>
+              </a:spcBef>
+              <a:buFont typeface="Arial" pitchFamily="34" charset="0"/>
+              <a:buChar char="•"/>
+              <a:defRPr sz="2000" b="0" i="0" kern="1200">
+                <a:solidFill>
+                  <a:schemeClr val="tx1">
+                    <a:lumMod val="85000"/>
+                    <a:lumOff val="15000"/>
+                  </a:schemeClr>
+                </a:solidFill>
+                <a:latin typeface="Source Sans Pro Light" charset="0"/>
+                <a:ea typeface="Source Sans Pro Light" charset="0"/>
+                <a:cs typeface="Source Sans Pro Light" charset="0"/>
+              </a:defRPr>
+            </a:lvl3pPr>
+            <a:lvl4pPr marL="1600200" indent="-228600" algn="l" defTabSz="914400" rtl="0" eaLnBrk="1" latinLnBrk="0" hangingPunct="1">
+              <a:spcBef>
+                <a:spcPct val="20000"/>
+              </a:spcBef>
+              <a:buFont typeface="Arial" pitchFamily="34" charset="0"/>
+              <a:buChar char="–"/>
+              <a:defRPr sz="2000" b="0" i="0" kern="1200">
+                <a:solidFill>
+                  <a:schemeClr val="tx1">
+                    <a:lumMod val="85000"/>
+                    <a:lumOff val="15000"/>
+                  </a:schemeClr>
+                </a:solidFill>
+                <a:latin typeface="Source Sans Pro Light" charset="0"/>
+                <a:ea typeface="Source Sans Pro Light" charset="0"/>
+                <a:cs typeface="Source Sans Pro Light" charset="0"/>
+              </a:defRPr>
+            </a:lvl4pPr>
+            <a:lvl5pPr marL="2057400" indent="-228600" algn="l" defTabSz="914400" rtl="0" eaLnBrk="1" latinLnBrk="0" hangingPunct="1">
+              <a:spcBef>
+                <a:spcPct val="20000"/>
+              </a:spcBef>
+              <a:buFont typeface="Arial" pitchFamily="34" charset="0"/>
+              <a:buChar char="»"/>
+              <a:defRPr sz="2000" b="0" i="0" kern="1200">
+                <a:solidFill>
+                  <a:schemeClr val="tx1">
+                    <a:lumMod val="85000"/>
+                    <a:lumOff val="15000"/>
+                  </a:schemeClr>
+                </a:solidFill>
+                <a:latin typeface="Source Sans Pro Light" charset="0"/>
+                <a:ea typeface="Source Sans Pro Light" charset="0"/>
+                <a:cs typeface="Source Sans Pro Light" charset="0"/>
+              </a:defRPr>
+            </a:lvl5pPr>
+            <a:lvl6pPr marL="2514600" indent="-228600" algn="l" defTabSz="914400" rtl="0" eaLnBrk="1" latinLnBrk="0" hangingPunct="1">
+              <a:spcBef>
+                <a:spcPct val="20000"/>
+              </a:spcBef>
+              <a:buFont typeface="Arial" pitchFamily="34" charset="0"/>
+              <a:buChar char="•"/>
+              <a:defRPr sz="2000" kern="1200">
+                <a:solidFill>
+                  <a:schemeClr val="tx1"/>
+                </a:solidFill>
+                <a:latin typeface="+mn-lt"/>
+                <a:ea typeface="+mn-ea"/>
+                <a:cs typeface="+mn-cs"/>
+              </a:defRPr>
+            </a:lvl6pPr>
+            <a:lvl7pPr marL="2971800" indent="-228600" algn="l" defTabSz="914400" rtl="0" eaLnBrk="1" latinLnBrk="0" hangingPunct="1">
+              <a:spcBef>
+                <a:spcPct val="20000"/>
+              </a:spcBef>
+              <a:buFont typeface="Arial" pitchFamily="34" charset="0"/>
+              <a:buChar char="•"/>
+              <a:defRPr sz="2000" kern="1200">
+                <a:solidFill>
+                  <a:schemeClr val="tx1"/>
+                </a:solidFill>
+                <a:latin typeface="+mn-lt"/>
+                <a:ea typeface="+mn-ea"/>
+                <a:cs typeface="+mn-cs"/>
+              </a:defRPr>
+            </a:lvl7pPr>
+            <a:lvl8pPr marL="3429000" indent="-228600" algn="l" defTabSz="914400" rtl="0" eaLnBrk="1" latinLnBrk="0" hangingPunct="1">
+              <a:spcBef>
+                <a:spcPct val="20000"/>
+              </a:spcBef>
+              <a:buFont typeface="Arial" pitchFamily="34" charset="0"/>
+              <a:buChar char="•"/>
+              <a:defRPr sz="2000" kern="1200">
+                <a:solidFill>
+                  <a:schemeClr val="tx1"/>
+                </a:solidFill>
+                <a:latin typeface="+mn-lt"/>
+                <a:ea typeface="+mn-ea"/>
+                <a:cs typeface="+mn-cs"/>
+              </a:defRPr>
+            </a:lvl8pPr>
+            <a:lvl9pPr marL="3886200" indent="-228600" algn="l" defTabSz="914400" rtl="0" eaLnBrk="1" latinLnBrk="0" hangingPunct="1">
+              <a:spcBef>
+                <a:spcPct val="20000"/>
+              </a:spcBef>
+              <a:buFont typeface="Arial" pitchFamily="34" charset="0"/>
+              <a:buChar char="•"/>
+              <a:defRPr sz="2000" kern="1200">
+                <a:solidFill>
+                  <a:schemeClr val="tx1"/>
+                </a:solidFill>
+                <a:latin typeface="+mn-lt"/>
+                <a:ea typeface="+mn-ea"/>
+                <a:cs typeface="+mn-cs"/>
+              </a:defRPr>
+            </a:lvl9pPr>
+          </a:lstStyle>
+          <a:p>
+            <a:pPr marL="0" indent="0"/>
+            <a:r>
+              <a:rPr lang="en-US" sz="1400" i="1" dirty="0">
+                <a:solidFill>
+                  <a:srgbClr val="FF0000"/>
+                </a:solidFill>
+                <a:latin typeface="Calibri" panose="020F0502020204030204" pitchFamily="34" charset="0"/>
+                <a:cs typeface="Calibri" panose="020F0502020204030204" pitchFamily="34" charset="0"/>
+              </a:rPr>
+              <a:t>Headwaters modeled with forest treatment</a:t>
+            </a:r>
+          </a:p>
+        </p:txBody>
+      </p:sp>
     </p:spTree>
     <p:extLst>
       <p:ext uri="{BB962C8B-B14F-4D97-AF65-F5344CB8AC3E}">
         <p14:creationId xmlns:p14="http://schemas.microsoft.com/office/powerpoint/2010/main" val="825988171"/>
+      </p:ext>
+    </p:extLst>
+  </p:cSld>
+  <p:clrMapOvr>
+    <a:masterClrMapping/>
+  </p:clrMapOvr>
+</p:sld>
+</file>
+
+<file path=ppt/slides/slide2.xml><?xml version="1.0" encoding="utf-8"?>
+<p:sld xmlns:a="http://schemas.openxmlformats.org/drawingml/2006/main" xmlns:r="http://schemas.openxmlformats.org/officeDocument/2006/relationships" xmlns:p="http://schemas.openxmlformats.org/presentationml/2006/main">
+  <p:cSld>
+    <p:spTree>
+      <p:nvGrpSpPr>
+        <p:cNvPr id="1" name=""/>
+        <p:cNvGrpSpPr/>
+        <p:nvPr/>
+      </p:nvGrpSpPr>
+      <p:grpSpPr>
+        <a:xfrm>
+          <a:off x="0" y="0"/>
+          <a:ext cx="0" cy="0"/>
+          <a:chOff x="0" y="0"/>
+          <a:chExt cx="0" cy="0"/>
+        </a:xfrm>
+      </p:grpSpPr>
+      <p:sp>
+        <p:nvSpPr>
+          <p:cNvPr id="5" name="Slide Number Placeholder 4"/>
+          <p:cNvSpPr>
+            <a:spLocks noGrp="1"/>
+          </p:cNvSpPr>
+          <p:nvPr>
+            <p:ph type="sldNum" sz="quarter" idx="4"/>
+          </p:nvPr>
+        </p:nvSpPr>
+        <p:spPr>
+          <a:xfrm>
+            <a:off x="7543800" y="6440951"/>
+            <a:ext cx="1143000" cy="264649"/>
+          </a:xfrm>
+          <a:prstGeom prst="rect">
+            <a:avLst/>
+          </a:prstGeom>
+        </p:spPr>
+        <p:txBody>
+          <a:bodyPr/>
+          <a:lstStyle/>
+          <a:p>
+            <a:fld id="{B6F15528-21DE-4FAA-801E-634DDDAF4B2B}" type="slidenum">
+              <a:rPr lang="en-US" smtClean="0"/>
+              <a:pPr/>
+              <a:t>2</a:t>
+            </a:fld>
+            <a:endParaRPr lang="en-US" dirty="0"/>
+          </a:p>
+        </p:txBody>
+      </p:sp>
+      <p:sp>
+        <p:nvSpPr>
+          <p:cNvPr id="13" name="Content Placeholder 2">
+            <a:extLst>
+              <a:ext uri="{FF2B5EF4-FFF2-40B4-BE49-F238E27FC236}">
+                <a16:creationId xmlns:a16="http://schemas.microsoft.com/office/drawing/2014/main" id="{52C294EC-21DB-B540-8430-29D62E19D49D}"/>
+              </a:ext>
+            </a:extLst>
+          </p:cNvPr>
+          <p:cNvSpPr>
+            <a:spLocks noGrp="1"/>
+          </p:cNvSpPr>
+          <p:nvPr>
+            <p:ph idx="1"/>
+          </p:nvPr>
+        </p:nvSpPr>
+        <p:spPr>
+          <a:xfrm rot="19770010">
+            <a:off x="4578724" y="1303026"/>
+            <a:ext cx="1500574" cy="792162"/>
+          </a:xfrm>
+        </p:spPr>
+        <p:txBody>
+          <a:bodyPr>
+            <a:normAutofit/>
+          </a:bodyPr>
+          <a:lstStyle/>
+          <a:p>
+            <a:pPr marL="0" indent="0"/>
+            <a:r>
+              <a:rPr lang="en-US" sz="1400" dirty="0">
+                <a:latin typeface="Calibri" panose="020F0502020204030204" pitchFamily="34" charset="0"/>
+                <a:cs typeface="Calibri" panose="020F0502020204030204" pitchFamily="34" charset="0"/>
+              </a:rPr>
+              <a:t>Middle Fork American River</a:t>
+            </a:r>
+          </a:p>
+        </p:txBody>
+      </p:sp>
+      <p:cxnSp>
+        <p:nvCxnSpPr>
+          <p:cNvPr id="14" name="Straight Connector 13">
+            <a:extLst>
+              <a:ext uri="{FF2B5EF4-FFF2-40B4-BE49-F238E27FC236}">
+                <a16:creationId xmlns:a16="http://schemas.microsoft.com/office/drawing/2014/main" id="{42735739-C456-B148-BCF9-07430AA88B0E}"/>
+              </a:ext>
+            </a:extLst>
+          </p:cNvPr>
+          <p:cNvCxnSpPr>
+            <a:stCxn id="24" idx="5"/>
+          </p:cNvCxnSpPr>
+          <p:nvPr/>
+        </p:nvCxnSpPr>
+        <p:spPr>
+          <a:xfrm flipV="1">
+            <a:off x="4259350" y="1004997"/>
+            <a:ext cx="1351024" cy="800101"/>
+          </a:xfrm>
+          <a:prstGeom prst="line">
+            <a:avLst/>
+          </a:prstGeom>
+          <a:ln w="57150">
+            <a:headEnd type="triangle" w="med" len="med"/>
+            <a:tailEnd type="none" w="med" len="med"/>
+          </a:ln>
+        </p:spPr>
+        <p:style>
+          <a:lnRef idx="1">
+            <a:schemeClr val="accent1"/>
+          </a:lnRef>
+          <a:fillRef idx="0">
+            <a:schemeClr val="accent1"/>
+          </a:fillRef>
+          <a:effectRef idx="0">
+            <a:schemeClr val="accent1"/>
+          </a:effectRef>
+          <a:fontRef idx="minor">
+            <a:schemeClr val="tx1"/>
+          </a:fontRef>
+        </p:style>
+      </p:cxnSp>
+      <p:cxnSp>
+        <p:nvCxnSpPr>
+          <p:cNvPr id="15" name="Straight Connector 14">
+            <a:extLst>
+              <a:ext uri="{FF2B5EF4-FFF2-40B4-BE49-F238E27FC236}">
+                <a16:creationId xmlns:a16="http://schemas.microsoft.com/office/drawing/2014/main" id="{AD32DAB6-4311-554E-8A2F-4F50BE94B448}"/>
+              </a:ext>
+            </a:extLst>
+          </p:cNvPr>
+          <p:cNvCxnSpPr/>
+          <p:nvPr/>
+        </p:nvCxnSpPr>
+        <p:spPr>
+          <a:xfrm flipV="1">
+            <a:off x="1610869" y="2540985"/>
+            <a:ext cx="1351024" cy="800101"/>
+          </a:xfrm>
+          <a:prstGeom prst="line">
+            <a:avLst/>
+          </a:prstGeom>
+          <a:ln w="57150">
+            <a:headEnd type="triangle" w="med" len="med"/>
+            <a:tailEnd type="none" w="med" len="med"/>
+          </a:ln>
+        </p:spPr>
+        <p:style>
+          <a:lnRef idx="1">
+            <a:schemeClr val="accent1"/>
+          </a:lnRef>
+          <a:fillRef idx="0">
+            <a:schemeClr val="accent1"/>
+          </a:fillRef>
+          <a:effectRef idx="0">
+            <a:schemeClr val="accent1"/>
+          </a:effectRef>
+          <a:fontRef idx="minor">
+            <a:schemeClr val="tx1"/>
+          </a:fontRef>
+        </p:style>
+      </p:cxnSp>
+      <p:cxnSp>
+        <p:nvCxnSpPr>
+          <p:cNvPr id="16" name="Straight Connector 15">
+            <a:extLst>
+              <a:ext uri="{FF2B5EF4-FFF2-40B4-BE49-F238E27FC236}">
+                <a16:creationId xmlns:a16="http://schemas.microsoft.com/office/drawing/2014/main" id="{458E1604-4310-9040-860E-6039E568366D}"/>
+              </a:ext>
+            </a:extLst>
+          </p:cNvPr>
+          <p:cNvCxnSpPr/>
+          <p:nvPr/>
+        </p:nvCxnSpPr>
+        <p:spPr>
+          <a:xfrm flipV="1">
+            <a:off x="6535062" y="2895601"/>
+            <a:ext cx="1351024" cy="800101"/>
+          </a:xfrm>
+          <a:prstGeom prst="line">
+            <a:avLst/>
+          </a:prstGeom>
+          <a:ln w="57150">
+            <a:headEnd type="triangle" w="med" len="med"/>
+            <a:tailEnd type="none" w="med" len="med"/>
+          </a:ln>
+        </p:spPr>
+        <p:style>
+          <a:lnRef idx="1">
+            <a:schemeClr val="accent1"/>
+          </a:lnRef>
+          <a:fillRef idx="0">
+            <a:schemeClr val="accent1"/>
+          </a:fillRef>
+          <a:effectRef idx="0">
+            <a:schemeClr val="accent1"/>
+          </a:effectRef>
+          <a:fontRef idx="minor">
+            <a:schemeClr val="tx1"/>
+          </a:fontRef>
+        </p:style>
+      </p:cxnSp>
+      <p:cxnSp>
+        <p:nvCxnSpPr>
+          <p:cNvPr id="17" name="Straight Connector 16">
+            <a:extLst>
+              <a:ext uri="{FF2B5EF4-FFF2-40B4-BE49-F238E27FC236}">
+                <a16:creationId xmlns:a16="http://schemas.microsoft.com/office/drawing/2014/main" id="{650D3250-8C67-0640-9314-11DE559F40D4}"/>
+              </a:ext>
+            </a:extLst>
+          </p:cNvPr>
+          <p:cNvCxnSpPr/>
+          <p:nvPr/>
+        </p:nvCxnSpPr>
+        <p:spPr>
+          <a:xfrm flipV="1">
+            <a:off x="3806003" y="4481407"/>
+            <a:ext cx="1351024" cy="800101"/>
+          </a:xfrm>
+          <a:prstGeom prst="line">
+            <a:avLst/>
+          </a:prstGeom>
+          <a:ln w="57150">
+            <a:headEnd type="triangle" w="med" len="med"/>
+            <a:tailEnd type="none" w="med" len="med"/>
+          </a:ln>
+        </p:spPr>
+        <p:style>
+          <a:lnRef idx="1">
+            <a:schemeClr val="accent1"/>
+          </a:lnRef>
+          <a:fillRef idx="0">
+            <a:schemeClr val="accent1"/>
+          </a:fillRef>
+          <a:effectRef idx="0">
+            <a:schemeClr val="accent1"/>
+          </a:effectRef>
+          <a:fontRef idx="minor">
+            <a:schemeClr val="tx1"/>
+          </a:fontRef>
+        </p:style>
+      </p:cxnSp>
+      <p:sp>
+        <p:nvSpPr>
+          <p:cNvPr id="18" name="Content Placeholder 2">
+            <a:extLst>
+              <a:ext uri="{FF2B5EF4-FFF2-40B4-BE49-F238E27FC236}">
+                <a16:creationId xmlns:a16="http://schemas.microsoft.com/office/drawing/2014/main" id="{50560262-DC9D-8244-8C0B-482773A0007F}"/>
+              </a:ext>
+            </a:extLst>
+          </p:cNvPr>
+          <p:cNvSpPr txBox="1">
+            <a:spLocks/>
+          </p:cNvSpPr>
+          <p:nvPr/>
+        </p:nvSpPr>
+        <p:spPr>
+          <a:xfrm rot="19770010">
+            <a:off x="6793513" y="3221592"/>
+            <a:ext cx="1500574" cy="792162"/>
+          </a:xfrm>
+          <a:prstGeom prst="rect">
+            <a:avLst/>
+          </a:prstGeom>
+        </p:spPr>
+        <p:txBody>
+          <a:bodyPr vert="horz" lIns="91440" tIns="45720" rIns="91440" bIns="45720" rtlCol="0">
+            <a:normAutofit/>
+          </a:bodyPr>
+          <a:lstStyle>
+            <a:lvl1pPr marL="342900" indent="-342900" algn="l" defTabSz="914400" rtl="0" eaLnBrk="1" latinLnBrk="0" hangingPunct="1">
+              <a:spcBef>
+                <a:spcPct val="20000"/>
+              </a:spcBef>
+              <a:buFont typeface="Arial" pitchFamily="34" charset="0"/>
+              <a:buNone/>
+              <a:defRPr sz="2800" b="0" i="0" kern="1200">
+                <a:solidFill>
+                  <a:schemeClr val="tx1">
+                    <a:lumMod val="85000"/>
+                    <a:lumOff val="15000"/>
+                  </a:schemeClr>
+                </a:solidFill>
+                <a:latin typeface="Source Sans Pro Light" charset="0"/>
+                <a:ea typeface="Source Sans Pro Light" charset="0"/>
+                <a:cs typeface="Source Sans Pro Light" charset="0"/>
+              </a:defRPr>
+            </a:lvl1pPr>
+            <a:lvl2pPr marL="742950" indent="-285750" algn="l" defTabSz="914400" rtl="0" eaLnBrk="1" latinLnBrk="0" hangingPunct="1">
+              <a:spcBef>
+                <a:spcPct val="20000"/>
+              </a:spcBef>
+              <a:buFont typeface="Arial" panose="020B0604020202020204" pitchFamily="34" charset="0"/>
+              <a:buChar char="•"/>
+              <a:defRPr sz="2400" b="0" i="0" kern="1200">
+                <a:solidFill>
+                  <a:schemeClr val="tx1">
+                    <a:lumMod val="85000"/>
+                    <a:lumOff val="15000"/>
+                  </a:schemeClr>
+                </a:solidFill>
+                <a:latin typeface="Source Sans Pro Light" charset="0"/>
+                <a:ea typeface="Source Sans Pro Light" charset="0"/>
+                <a:cs typeface="Source Sans Pro Light" charset="0"/>
+              </a:defRPr>
+            </a:lvl2pPr>
+            <a:lvl3pPr marL="1143000" indent="-228600" algn="l" defTabSz="914400" rtl="0" eaLnBrk="1" latinLnBrk="0" hangingPunct="1">
+              <a:spcBef>
+                <a:spcPct val="20000"/>
+              </a:spcBef>
+              <a:buFont typeface="Arial" pitchFamily="34" charset="0"/>
+              <a:buChar char="•"/>
+              <a:defRPr sz="2000" b="0" i="0" kern="1200">
+                <a:solidFill>
+                  <a:schemeClr val="tx1">
+                    <a:lumMod val="85000"/>
+                    <a:lumOff val="15000"/>
+                  </a:schemeClr>
+                </a:solidFill>
+                <a:latin typeface="Source Sans Pro Light" charset="0"/>
+                <a:ea typeface="Source Sans Pro Light" charset="0"/>
+                <a:cs typeface="Source Sans Pro Light" charset="0"/>
+              </a:defRPr>
+            </a:lvl3pPr>
+            <a:lvl4pPr marL="1600200" indent="-228600" algn="l" defTabSz="914400" rtl="0" eaLnBrk="1" latinLnBrk="0" hangingPunct="1">
+              <a:spcBef>
+                <a:spcPct val="20000"/>
+              </a:spcBef>
+              <a:buFont typeface="Arial" pitchFamily="34" charset="0"/>
+              <a:buChar char="–"/>
+              <a:defRPr sz="2000" b="0" i="0" kern="1200">
+                <a:solidFill>
+                  <a:schemeClr val="tx1">
+                    <a:lumMod val="85000"/>
+                    <a:lumOff val="15000"/>
+                  </a:schemeClr>
+                </a:solidFill>
+                <a:latin typeface="Source Sans Pro Light" charset="0"/>
+                <a:ea typeface="Source Sans Pro Light" charset="0"/>
+                <a:cs typeface="Source Sans Pro Light" charset="0"/>
+              </a:defRPr>
+            </a:lvl4pPr>
+            <a:lvl5pPr marL="2057400" indent="-228600" algn="l" defTabSz="914400" rtl="0" eaLnBrk="1" latinLnBrk="0" hangingPunct="1">
+              <a:spcBef>
+                <a:spcPct val="20000"/>
+              </a:spcBef>
+              <a:buFont typeface="Arial" pitchFamily="34" charset="0"/>
+              <a:buChar char="»"/>
+              <a:defRPr sz="2000" b="0" i="0" kern="1200">
+                <a:solidFill>
+                  <a:schemeClr val="tx1">
+                    <a:lumMod val="85000"/>
+                    <a:lumOff val="15000"/>
+                  </a:schemeClr>
+                </a:solidFill>
+                <a:latin typeface="Source Sans Pro Light" charset="0"/>
+                <a:ea typeface="Source Sans Pro Light" charset="0"/>
+                <a:cs typeface="Source Sans Pro Light" charset="0"/>
+              </a:defRPr>
+            </a:lvl5pPr>
+            <a:lvl6pPr marL="2514600" indent="-228600" algn="l" defTabSz="914400" rtl="0" eaLnBrk="1" latinLnBrk="0" hangingPunct="1">
+              <a:spcBef>
+                <a:spcPct val="20000"/>
+              </a:spcBef>
+              <a:buFont typeface="Arial" pitchFamily="34" charset="0"/>
+              <a:buChar char="•"/>
+              <a:defRPr sz="2000" kern="1200">
+                <a:solidFill>
+                  <a:schemeClr val="tx1"/>
+                </a:solidFill>
+                <a:latin typeface="+mn-lt"/>
+                <a:ea typeface="+mn-ea"/>
+                <a:cs typeface="+mn-cs"/>
+              </a:defRPr>
+            </a:lvl6pPr>
+            <a:lvl7pPr marL="2971800" indent="-228600" algn="l" defTabSz="914400" rtl="0" eaLnBrk="1" latinLnBrk="0" hangingPunct="1">
+              <a:spcBef>
+                <a:spcPct val="20000"/>
+              </a:spcBef>
+              <a:buFont typeface="Arial" pitchFamily="34" charset="0"/>
+              <a:buChar char="•"/>
+              <a:defRPr sz="2000" kern="1200">
+                <a:solidFill>
+                  <a:schemeClr val="tx1"/>
+                </a:solidFill>
+                <a:latin typeface="+mn-lt"/>
+                <a:ea typeface="+mn-ea"/>
+                <a:cs typeface="+mn-cs"/>
+              </a:defRPr>
+            </a:lvl7pPr>
+            <a:lvl8pPr marL="3429000" indent="-228600" algn="l" defTabSz="914400" rtl="0" eaLnBrk="1" latinLnBrk="0" hangingPunct="1">
+              <a:spcBef>
+                <a:spcPct val="20000"/>
+              </a:spcBef>
+              <a:buFont typeface="Arial" pitchFamily="34" charset="0"/>
+              <a:buChar char="•"/>
+              <a:defRPr sz="2000" kern="1200">
+                <a:solidFill>
+                  <a:schemeClr val="tx1"/>
+                </a:solidFill>
+                <a:latin typeface="+mn-lt"/>
+                <a:ea typeface="+mn-ea"/>
+                <a:cs typeface="+mn-cs"/>
+              </a:defRPr>
+            </a:lvl8pPr>
+            <a:lvl9pPr marL="3886200" indent="-228600" algn="l" defTabSz="914400" rtl="0" eaLnBrk="1" latinLnBrk="0" hangingPunct="1">
+              <a:spcBef>
+                <a:spcPct val="20000"/>
+              </a:spcBef>
+              <a:buFont typeface="Arial" pitchFamily="34" charset="0"/>
+              <a:buChar char="•"/>
+              <a:defRPr sz="2000" kern="1200">
+                <a:solidFill>
+                  <a:schemeClr val="tx1"/>
+                </a:solidFill>
+                <a:latin typeface="+mn-lt"/>
+                <a:ea typeface="+mn-ea"/>
+                <a:cs typeface="+mn-cs"/>
+              </a:defRPr>
+            </a:lvl9pPr>
+          </a:lstStyle>
+          <a:p>
+            <a:pPr marL="0" indent="0"/>
+            <a:r>
+              <a:rPr lang="en-US" sz="1400" dirty="0">
+                <a:latin typeface="Calibri" panose="020F0502020204030204" pitchFamily="34" charset="0"/>
+                <a:cs typeface="Calibri" panose="020F0502020204030204" pitchFamily="34" charset="0"/>
+              </a:rPr>
+              <a:t>Rubicon River</a:t>
+            </a:r>
+          </a:p>
+        </p:txBody>
+      </p:sp>
+      <p:cxnSp>
+        <p:nvCxnSpPr>
+          <p:cNvPr id="19" name="Straight Connector 18">
+            <a:extLst>
+              <a:ext uri="{FF2B5EF4-FFF2-40B4-BE49-F238E27FC236}">
+                <a16:creationId xmlns:a16="http://schemas.microsoft.com/office/drawing/2014/main" id="{1E447671-9560-384A-9FFC-047A780B50C0}"/>
+              </a:ext>
+            </a:extLst>
+          </p:cNvPr>
+          <p:cNvCxnSpPr>
+            <a:cxnSpLocks/>
+          </p:cNvCxnSpPr>
+          <p:nvPr/>
+        </p:nvCxnSpPr>
+        <p:spPr>
+          <a:xfrm>
+            <a:off x="2086771" y="1405047"/>
+            <a:ext cx="1254082" cy="406703"/>
+          </a:xfrm>
+          <a:prstGeom prst="line">
+            <a:avLst/>
+          </a:prstGeom>
+          <a:ln w="28575">
+            <a:headEnd type="none" w="med" len="med"/>
+            <a:tailEnd type="arrow" w="med" len="med"/>
+          </a:ln>
+        </p:spPr>
+        <p:style>
+          <a:lnRef idx="1">
+            <a:schemeClr val="accent1"/>
+          </a:lnRef>
+          <a:fillRef idx="0">
+            <a:schemeClr val="accent1"/>
+          </a:fillRef>
+          <a:effectRef idx="0">
+            <a:schemeClr val="accent1"/>
+          </a:effectRef>
+          <a:fontRef idx="minor">
+            <a:schemeClr val="tx1"/>
+          </a:fontRef>
+        </p:style>
+      </p:cxnSp>
+      <p:sp>
+        <p:nvSpPr>
+          <p:cNvPr id="20" name="Content Placeholder 2">
+            <a:extLst>
+              <a:ext uri="{FF2B5EF4-FFF2-40B4-BE49-F238E27FC236}">
+                <a16:creationId xmlns:a16="http://schemas.microsoft.com/office/drawing/2014/main" id="{17117FF1-248A-1D45-BD99-CB5D85EF843B}"/>
+              </a:ext>
+            </a:extLst>
+          </p:cNvPr>
+          <p:cNvSpPr txBox="1">
+            <a:spLocks/>
+          </p:cNvSpPr>
+          <p:nvPr/>
+        </p:nvSpPr>
+        <p:spPr>
+          <a:xfrm rot="1159114">
+            <a:off x="2026940" y="1099216"/>
+            <a:ext cx="1500574" cy="792162"/>
+          </a:xfrm>
+          <a:prstGeom prst="rect">
+            <a:avLst/>
+          </a:prstGeom>
+        </p:spPr>
+        <p:txBody>
+          <a:bodyPr vert="horz" lIns="91440" tIns="45720" rIns="91440" bIns="45720" rtlCol="0">
+            <a:normAutofit/>
+          </a:bodyPr>
+          <a:lstStyle>
+            <a:lvl1pPr marL="342900" indent="-342900" algn="l" defTabSz="914400" rtl="0" eaLnBrk="1" latinLnBrk="0" hangingPunct="1">
+              <a:spcBef>
+                <a:spcPct val="20000"/>
+              </a:spcBef>
+              <a:buFont typeface="Arial" pitchFamily="34" charset="0"/>
+              <a:buNone/>
+              <a:defRPr sz="2800" b="0" i="0" kern="1200">
+                <a:solidFill>
+                  <a:schemeClr val="tx1">
+                    <a:lumMod val="85000"/>
+                    <a:lumOff val="15000"/>
+                  </a:schemeClr>
+                </a:solidFill>
+                <a:latin typeface="Source Sans Pro Light" charset="0"/>
+                <a:ea typeface="Source Sans Pro Light" charset="0"/>
+                <a:cs typeface="Source Sans Pro Light" charset="0"/>
+              </a:defRPr>
+            </a:lvl1pPr>
+            <a:lvl2pPr marL="742950" indent="-285750" algn="l" defTabSz="914400" rtl="0" eaLnBrk="1" latinLnBrk="0" hangingPunct="1">
+              <a:spcBef>
+                <a:spcPct val="20000"/>
+              </a:spcBef>
+              <a:buFont typeface="Arial" panose="020B0604020202020204" pitchFamily="34" charset="0"/>
+              <a:buChar char="•"/>
+              <a:defRPr sz="2400" b="0" i="0" kern="1200">
+                <a:solidFill>
+                  <a:schemeClr val="tx1">
+                    <a:lumMod val="85000"/>
+                    <a:lumOff val="15000"/>
+                  </a:schemeClr>
+                </a:solidFill>
+                <a:latin typeface="Source Sans Pro Light" charset="0"/>
+                <a:ea typeface="Source Sans Pro Light" charset="0"/>
+                <a:cs typeface="Source Sans Pro Light" charset="0"/>
+              </a:defRPr>
+            </a:lvl2pPr>
+            <a:lvl3pPr marL="1143000" indent="-228600" algn="l" defTabSz="914400" rtl="0" eaLnBrk="1" latinLnBrk="0" hangingPunct="1">
+              <a:spcBef>
+                <a:spcPct val="20000"/>
+              </a:spcBef>
+              <a:buFont typeface="Arial" pitchFamily="34" charset="0"/>
+              <a:buChar char="•"/>
+              <a:defRPr sz="2000" b="0" i="0" kern="1200">
+                <a:solidFill>
+                  <a:schemeClr val="tx1">
+                    <a:lumMod val="85000"/>
+                    <a:lumOff val="15000"/>
+                  </a:schemeClr>
+                </a:solidFill>
+                <a:latin typeface="Source Sans Pro Light" charset="0"/>
+                <a:ea typeface="Source Sans Pro Light" charset="0"/>
+                <a:cs typeface="Source Sans Pro Light" charset="0"/>
+              </a:defRPr>
+            </a:lvl3pPr>
+            <a:lvl4pPr marL="1600200" indent="-228600" algn="l" defTabSz="914400" rtl="0" eaLnBrk="1" latinLnBrk="0" hangingPunct="1">
+              <a:spcBef>
+                <a:spcPct val="20000"/>
+              </a:spcBef>
+              <a:buFont typeface="Arial" pitchFamily="34" charset="0"/>
+              <a:buChar char="–"/>
+              <a:defRPr sz="2000" b="0" i="0" kern="1200">
+                <a:solidFill>
+                  <a:schemeClr val="tx1">
+                    <a:lumMod val="85000"/>
+                    <a:lumOff val="15000"/>
+                  </a:schemeClr>
+                </a:solidFill>
+                <a:latin typeface="Source Sans Pro Light" charset="0"/>
+                <a:ea typeface="Source Sans Pro Light" charset="0"/>
+                <a:cs typeface="Source Sans Pro Light" charset="0"/>
+              </a:defRPr>
+            </a:lvl4pPr>
+            <a:lvl5pPr marL="2057400" indent="-228600" algn="l" defTabSz="914400" rtl="0" eaLnBrk="1" latinLnBrk="0" hangingPunct="1">
+              <a:spcBef>
+                <a:spcPct val="20000"/>
+              </a:spcBef>
+              <a:buFont typeface="Arial" pitchFamily="34" charset="0"/>
+              <a:buChar char="»"/>
+              <a:defRPr sz="2000" b="0" i="0" kern="1200">
+                <a:solidFill>
+                  <a:schemeClr val="tx1">
+                    <a:lumMod val="85000"/>
+                    <a:lumOff val="15000"/>
+                  </a:schemeClr>
+                </a:solidFill>
+                <a:latin typeface="Source Sans Pro Light" charset="0"/>
+                <a:ea typeface="Source Sans Pro Light" charset="0"/>
+                <a:cs typeface="Source Sans Pro Light" charset="0"/>
+              </a:defRPr>
+            </a:lvl5pPr>
+            <a:lvl6pPr marL="2514600" indent="-228600" algn="l" defTabSz="914400" rtl="0" eaLnBrk="1" latinLnBrk="0" hangingPunct="1">
+              <a:spcBef>
+                <a:spcPct val="20000"/>
+              </a:spcBef>
+              <a:buFont typeface="Arial" pitchFamily="34" charset="0"/>
+              <a:buChar char="•"/>
+              <a:defRPr sz="2000" kern="1200">
+                <a:solidFill>
+                  <a:schemeClr val="tx1"/>
+                </a:solidFill>
+                <a:latin typeface="+mn-lt"/>
+                <a:ea typeface="+mn-ea"/>
+                <a:cs typeface="+mn-cs"/>
+              </a:defRPr>
+            </a:lvl6pPr>
+            <a:lvl7pPr marL="2971800" indent="-228600" algn="l" defTabSz="914400" rtl="0" eaLnBrk="1" latinLnBrk="0" hangingPunct="1">
+              <a:spcBef>
+                <a:spcPct val="20000"/>
+              </a:spcBef>
+              <a:buFont typeface="Arial" pitchFamily="34" charset="0"/>
+              <a:buChar char="•"/>
+              <a:defRPr sz="2000" kern="1200">
+                <a:solidFill>
+                  <a:schemeClr val="tx1"/>
+                </a:solidFill>
+                <a:latin typeface="+mn-lt"/>
+                <a:ea typeface="+mn-ea"/>
+                <a:cs typeface="+mn-cs"/>
+              </a:defRPr>
+            </a:lvl7pPr>
+            <a:lvl8pPr marL="3429000" indent="-228600" algn="l" defTabSz="914400" rtl="0" eaLnBrk="1" latinLnBrk="0" hangingPunct="1">
+              <a:spcBef>
+                <a:spcPct val="20000"/>
+              </a:spcBef>
+              <a:buFont typeface="Arial" pitchFamily="34" charset="0"/>
+              <a:buChar char="•"/>
+              <a:defRPr sz="2000" kern="1200">
+                <a:solidFill>
+                  <a:schemeClr val="tx1"/>
+                </a:solidFill>
+                <a:latin typeface="+mn-lt"/>
+                <a:ea typeface="+mn-ea"/>
+                <a:cs typeface="+mn-cs"/>
+              </a:defRPr>
+            </a:lvl8pPr>
+            <a:lvl9pPr marL="3886200" indent="-228600" algn="l" defTabSz="914400" rtl="0" eaLnBrk="1" latinLnBrk="0" hangingPunct="1">
+              <a:spcBef>
+                <a:spcPct val="20000"/>
+              </a:spcBef>
+              <a:buFont typeface="Arial" pitchFamily="34" charset="0"/>
+              <a:buChar char="•"/>
+              <a:defRPr sz="2000" kern="1200">
+                <a:solidFill>
+                  <a:schemeClr val="tx1"/>
+                </a:solidFill>
+                <a:latin typeface="+mn-lt"/>
+                <a:ea typeface="+mn-ea"/>
+                <a:cs typeface="+mn-cs"/>
+              </a:defRPr>
+            </a:lvl9pPr>
+          </a:lstStyle>
+          <a:p>
+            <a:pPr marL="0" indent="0"/>
+            <a:r>
+              <a:rPr lang="en-US" sz="1400" dirty="0">
+                <a:latin typeface="Calibri" panose="020F0502020204030204" pitchFamily="34" charset="0"/>
+                <a:cs typeface="Calibri" panose="020F0502020204030204" pitchFamily="34" charset="0"/>
+              </a:rPr>
+              <a:t>Duncan Creek Diversion</a:t>
+            </a:r>
+          </a:p>
+        </p:txBody>
+      </p:sp>
+      <p:cxnSp>
+        <p:nvCxnSpPr>
+          <p:cNvPr id="21" name="Straight Connector 20">
+            <a:extLst>
+              <a:ext uri="{FF2B5EF4-FFF2-40B4-BE49-F238E27FC236}">
+                <a16:creationId xmlns:a16="http://schemas.microsoft.com/office/drawing/2014/main" id="{9452D2BC-DCC8-AD46-A670-E7E1FB64BCBB}"/>
+              </a:ext>
+            </a:extLst>
+          </p:cNvPr>
+          <p:cNvCxnSpPr>
+            <a:cxnSpLocks/>
+          </p:cNvCxnSpPr>
+          <p:nvPr/>
+        </p:nvCxnSpPr>
+        <p:spPr>
+          <a:xfrm>
+            <a:off x="4214389" y="2594689"/>
+            <a:ext cx="1395985" cy="806753"/>
+          </a:xfrm>
+          <a:prstGeom prst="line">
+            <a:avLst/>
+          </a:prstGeom>
+          <a:ln w="57150">
+            <a:solidFill>
+              <a:schemeClr val="tx1"/>
+            </a:solidFill>
+            <a:headEnd type="none" w="med" len="med"/>
+            <a:tailEnd type="triangle" w="med" len="med"/>
+          </a:ln>
+        </p:spPr>
+        <p:style>
+          <a:lnRef idx="1">
+            <a:schemeClr val="accent1"/>
+          </a:lnRef>
+          <a:fillRef idx="0">
+            <a:schemeClr val="accent1"/>
+          </a:fillRef>
+          <a:effectRef idx="0">
+            <a:schemeClr val="accent1"/>
+          </a:effectRef>
+          <a:fontRef idx="minor">
+            <a:schemeClr val="tx1"/>
+          </a:fontRef>
+        </p:style>
+      </p:cxnSp>
+      <p:cxnSp>
+        <p:nvCxnSpPr>
+          <p:cNvPr id="22" name="Straight Connector 21">
+            <a:extLst>
+              <a:ext uri="{FF2B5EF4-FFF2-40B4-BE49-F238E27FC236}">
+                <a16:creationId xmlns:a16="http://schemas.microsoft.com/office/drawing/2014/main" id="{B181B372-7E1A-A441-BBF1-20425A330A40}"/>
+              </a:ext>
+            </a:extLst>
+          </p:cNvPr>
+          <p:cNvCxnSpPr>
+            <a:cxnSpLocks/>
+          </p:cNvCxnSpPr>
+          <p:nvPr/>
+        </p:nvCxnSpPr>
+        <p:spPr>
+          <a:xfrm>
+            <a:off x="2181374" y="3401442"/>
+            <a:ext cx="3429000" cy="477756"/>
+          </a:xfrm>
+          <a:prstGeom prst="line">
+            <a:avLst/>
+          </a:prstGeom>
+          <a:ln w="57150">
+            <a:solidFill>
+              <a:schemeClr val="tx1"/>
+            </a:solidFill>
+            <a:headEnd type="triangle" w="med" len="med"/>
+            <a:tailEnd type="none" w="med" len="med"/>
+          </a:ln>
+        </p:spPr>
+        <p:style>
+          <a:lnRef idx="1">
+            <a:schemeClr val="accent1"/>
+          </a:lnRef>
+          <a:fillRef idx="0">
+            <a:schemeClr val="accent1"/>
+          </a:fillRef>
+          <a:effectRef idx="0">
+            <a:schemeClr val="accent1"/>
+          </a:effectRef>
+          <a:fontRef idx="minor">
+            <a:schemeClr val="tx1"/>
+          </a:fontRef>
+        </p:style>
+      </p:cxnSp>
+      <p:sp>
+        <p:nvSpPr>
+          <p:cNvPr id="23" name="Triangle 22">
+            <a:extLst>
+              <a:ext uri="{FF2B5EF4-FFF2-40B4-BE49-F238E27FC236}">
+                <a16:creationId xmlns:a16="http://schemas.microsoft.com/office/drawing/2014/main" id="{DA53EE36-5BBE-C645-8825-43427CA98AC7}"/>
+              </a:ext>
+            </a:extLst>
+          </p:cNvPr>
+          <p:cNvSpPr/>
+          <p:nvPr/>
+        </p:nvSpPr>
+        <p:spPr>
+          <a:xfrm>
+            <a:off x="5153174" y="2895602"/>
+            <a:ext cx="1856233" cy="1600200"/>
+          </a:xfrm>
+          <a:prstGeom prst="triangle">
+            <a:avLst/>
+          </a:prstGeom>
+        </p:spPr>
+        <p:style>
+          <a:lnRef idx="2">
+            <a:schemeClr val="accent1">
+              <a:shade val="50000"/>
+            </a:schemeClr>
+          </a:lnRef>
+          <a:fillRef idx="1">
+            <a:schemeClr val="accent1"/>
+          </a:fillRef>
+          <a:effectRef idx="0">
+            <a:schemeClr val="accent1"/>
+          </a:effectRef>
+          <a:fontRef idx="minor">
+            <a:schemeClr val="lt1"/>
+          </a:fontRef>
+        </p:style>
+        <p:txBody>
+          <a:bodyPr rtlCol="0" anchor="ctr"/>
+          <a:lstStyle/>
+          <a:p>
+            <a:pPr algn="ctr"/>
+            <a:r>
+              <a:rPr lang="en-US" sz="1400" dirty="0"/>
+              <a:t>Hell Hole Reservoir</a:t>
+            </a:r>
+          </a:p>
+          <a:p>
+            <a:pPr algn="ctr"/>
+            <a:r>
+              <a:rPr lang="en-US" sz="1400" dirty="0"/>
+              <a:t>207.6 TAF</a:t>
+            </a:r>
+          </a:p>
+        </p:txBody>
+      </p:sp>
+      <p:sp>
+        <p:nvSpPr>
+          <p:cNvPr id="24" name="Triangle 23">
+            <a:extLst>
+              <a:ext uri="{FF2B5EF4-FFF2-40B4-BE49-F238E27FC236}">
+                <a16:creationId xmlns:a16="http://schemas.microsoft.com/office/drawing/2014/main" id="{E4787537-A3F7-3640-B4D8-A25ADCB0DD38}"/>
+              </a:ext>
+            </a:extLst>
+          </p:cNvPr>
+          <p:cNvSpPr/>
+          <p:nvPr/>
+        </p:nvSpPr>
+        <p:spPr>
+          <a:xfrm>
+            <a:off x="2867174" y="1004997"/>
+            <a:ext cx="1856234" cy="1600201"/>
+          </a:xfrm>
+          <a:prstGeom prst="triangle">
+            <a:avLst/>
+          </a:prstGeom>
+        </p:spPr>
+        <p:style>
+          <a:lnRef idx="2">
+            <a:schemeClr val="accent1">
+              <a:shade val="50000"/>
+            </a:schemeClr>
+          </a:lnRef>
+          <a:fillRef idx="1">
+            <a:schemeClr val="accent1"/>
+          </a:fillRef>
+          <a:effectRef idx="0">
+            <a:schemeClr val="accent1"/>
+          </a:effectRef>
+          <a:fontRef idx="minor">
+            <a:schemeClr val="lt1"/>
+          </a:fontRef>
+        </p:style>
+        <p:txBody>
+          <a:bodyPr rtlCol="0" anchor="ctr"/>
+          <a:lstStyle/>
+          <a:p>
+            <a:pPr algn="ctr"/>
+            <a:r>
+              <a:rPr lang="en-US" sz="1400" dirty="0"/>
+              <a:t>French Meadows Reservoir</a:t>
+            </a:r>
+          </a:p>
+          <a:p>
+            <a:pPr algn="ctr"/>
+            <a:r>
+              <a:rPr lang="en-US" sz="1400" dirty="0"/>
+              <a:t>136.4 TAF</a:t>
+            </a:r>
+          </a:p>
+        </p:txBody>
+      </p:sp>
+      <p:sp>
+        <p:nvSpPr>
+          <p:cNvPr id="25" name="Rectangle 24">
+            <a:extLst>
+              <a:ext uri="{FF2B5EF4-FFF2-40B4-BE49-F238E27FC236}">
+                <a16:creationId xmlns:a16="http://schemas.microsoft.com/office/drawing/2014/main" id="{075B5E19-99BB-4541-825C-964B38F1297B}"/>
+              </a:ext>
+            </a:extLst>
+          </p:cNvPr>
+          <p:cNvSpPr/>
+          <p:nvPr/>
+        </p:nvSpPr>
+        <p:spPr>
+          <a:xfrm>
+            <a:off x="5602109" y="3370244"/>
+            <a:ext cx="259367" cy="259367"/>
+          </a:xfrm>
+          <a:prstGeom prst="rect">
+            <a:avLst/>
+          </a:prstGeom>
+          <a:solidFill>
+            <a:srgbClr val="FFFF00"/>
+          </a:solidFill>
+          <a:ln w="38100">
+            <a:solidFill>
+              <a:schemeClr val="tx1"/>
+            </a:solidFill>
+          </a:ln>
+        </p:spPr>
+        <p:style>
+          <a:lnRef idx="2">
+            <a:schemeClr val="accent1">
+              <a:shade val="50000"/>
+            </a:schemeClr>
+          </a:lnRef>
+          <a:fillRef idx="1">
+            <a:schemeClr val="accent1"/>
+          </a:fillRef>
+          <a:effectRef idx="0">
+            <a:schemeClr val="accent1"/>
+          </a:effectRef>
+          <a:fontRef idx="minor">
+            <a:schemeClr val="lt1"/>
+          </a:fontRef>
+        </p:style>
+        <p:txBody>
+          <a:bodyPr rtlCol="0" anchor="ctr"/>
+          <a:lstStyle/>
+          <a:p>
+            <a:pPr algn="ctr"/>
+            <a:endParaRPr lang="en-US"/>
+          </a:p>
+        </p:txBody>
+      </p:sp>
+      <p:sp>
+        <p:nvSpPr>
+          <p:cNvPr id="26" name="Rectangle 25">
+            <a:extLst>
+              <a:ext uri="{FF2B5EF4-FFF2-40B4-BE49-F238E27FC236}">
+                <a16:creationId xmlns:a16="http://schemas.microsoft.com/office/drawing/2014/main" id="{757A5601-E02B-5F43-BFE0-4768ECA34545}"/>
+              </a:ext>
+            </a:extLst>
+          </p:cNvPr>
+          <p:cNvSpPr/>
+          <p:nvPr/>
+        </p:nvSpPr>
+        <p:spPr>
+          <a:xfrm>
+            <a:off x="1915634" y="3271758"/>
+            <a:ext cx="259367" cy="259367"/>
+          </a:xfrm>
+          <a:prstGeom prst="rect">
+            <a:avLst/>
+          </a:prstGeom>
+          <a:solidFill>
+            <a:srgbClr val="FFFF00"/>
+          </a:solidFill>
+          <a:ln w="38100">
+            <a:solidFill>
+              <a:schemeClr val="tx1"/>
+            </a:solidFill>
+          </a:ln>
+        </p:spPr>
+        <p:style>
+          <a:lnRef idx="2">
+            <a:schemeClr val="accent1">
+              <a:shade val="50000"/>
+            </a:schemeClr>
+          </a:lnRef>
+          <a:fillRef idx="1">
+            <a:schemeClr val="accent1"/>
+          </a:fillRef>
+          <a:effectRef idx="0">
+            <a:schemeClr val="accent1"/>
+          </a:effectRef>
+          <a:fontRef idx="minor">
+            <a:schemeClr val="lt1"/>
+          </a:fontRef>
+        </p:style>
+        <p:txBody>
+          <a:bodyPr rtlCol="0" anchor="ctr"/>
+          <a:lstStyle/>
+          <a:p>
+            <a:pPr algn="ctr"/>
+            <a:endParaRPr lang="en-US"/>
+          </a:p>
+        </p:txBody>
+      </p:sp>
+      <p:sp>
+        <p:nvSpPr>
+          <p:cNvPr id="27" name="Content Placeholder 2">
+            <a:extLst>
+              <a:ext uri="{FF2B5EF4-FFF2-40B4-BE49-F238E27FC236}">
+                <a16:creationId xmlns:a16="http://schemas.microsoft.com/office/drawing/2014/main" id="{04793E8F-F326-A441-A6FC-8ED2F3E081CC}"/>
+              </a:ext>
+            </a:extLst>
+          </p:cNvPr>
+          <p:cNvSpPr txBox="1">
+            <a:spLocks/>
+          </p:cNvSpPr>
+          <p:nvPr/>
+        </p:nvSpPr>
+        <p:spPr>
+          <a:xfrm>
+            <a:off x="5111189" y="2403152"/>
+            <a:ext cx="1500574" cy="792162"/>
+          </a:xfrm>
+          <a:prstGeom prst="rect">
+            <a:avLst/>
+          </a:prstGeom>
+        </p:spPr>
+        <p:txBody>
+          <a:bodyPr vert="horz" lIns="91440" tIns="45720" rIns="91440" bIns="45720" rtlCol="0">
+            <a:normAutofit/>
+          </a:bodyPr>
+          <a:lstStyle>
+            <a:lvl1pPr marL="342900" indent="-342900" algn="l" defTabSz="914400" rtl="0" eaLnBrk="1" latinLnBrk="0" hangingPunct="1">
+              <a:spcBef>
+                <a:spcPct val="20000"/>
+              </a:spcBef>
+              <a:buFont typeface="Arial" pitchFamily="34" charset="0"/>
+              <a:buNone/>
+              <a:defRPr sz="2800" b="0" i="0" kern="1200">
+                <a:solidFill>
+                  <a:schemeClr val="tx1">
+                    <a:lumMod val="85000"/>
+                    <a:lumOff val="15000"/>
+                  </a:schemeClr>
+                </a:solidFill>
+                <a:latin typeface="Source Sans Pro Light" charset="0"/>
+                <a:ea typeface="Source Sans Pro Light" charset="0"/>
+                <a:cs typeface="Source Sans Pro Light" charset="0"/>
+              </a:defRPr>
+            </a:lvl1pPr>
+            <a:lvl2pPr marL="742950" indent="-285750" algn="l" defTabSz="914400" rtl="0" eaLnBrk="1" latinLnBrk="0" hangingPunct="1">
+              <a:spcBef>
+                <a:spcPct val="20000"/>
+              </a:spcBef>
+              <a:buFont typeface="Arial" panose="020B0604020202020204" pitchFamily="34" charset="0"/>
+              <a:buChar char="•"/>
+              <a:defRPr sz="2400" b="0" i="0" kern="1200">
+                <a:solidFill>
+                  <a:schemeClr val="tx1">
+                    <a:lumMod val="85000"/>
+                    <a:lumOff val="15000"/>
+                  </a:schemeClr>
+                </a:solidFill>
+                <a:latin typeface="Source Sans Pro Light" charset="0"/>
+                <a:ea typeface="Source Sans Pro Light" charset="0"/>
+                <a:cs typeface="Source Sans Pro Light" charset="0"/>
+              </a:defRPr>
+            </a:lvl2pPr>
+            <a:lvl3pPr marL="1143000" indent="-228600" algn="l" defTabSz="914400" rtl="0" eaLnBrk="1" latinLnBrk="0" hangingPunct="1">
+              <a:spcBef>
+                <a:spcPct val="20000"/>
+              </a:spcBef>
+              <a:buFont typeface="Arial" pitchFamily="34" charset="0"/>
+              <a:buChar char="•"/>
+              <a:defRPr sz="2000" b="0" i="0" kern="1200">
+                <a:solidFill>
+                  <a:schemeClr val="tx1">
+                    <a:lumMod val="85000"/>
+                    <a:lumOff val="15000"/>
+                  </a:schemeClr>
+                </a:solidFill>
+                <a:latin typeface="Source Sans Pro Light" charset="0"/>
+                <a:ea typeface="Source Sans Pro Light" charset="0"/>
+                <a:cs typeface="Source Sans Pro Light" charset="0"/>
+              </a:defRPr>
+            </a:lvl3pPr>
+            <a:lvl4pPr marL="1600200" indent="-228600" algn="l" defTabSz="914400" rtl="0" eaLnBrk="1" latinLnBrk="0" hangingPunct="1">
+              <a:spcBef>
+                <a:spcPct val="20000"/>
+              </a:spcBef>
+              <a:buFont typeface="Arial" pitchFamily="34" charset="0"/>
+              <a:buChar char="–"/>
+              <a:defRPr sz="2000" b="0" i="0" kern="1200">
+                <a:solidFill>
+                  <a:schemeClr val="tx1">
+                    <a:lumMod val="85000"/>
+                    <a:lumOff val="15000"/>
+                  </a:schemeClr>
+                </a:solidFill>
+                <a:latin typeface="Source Sans Pro Light" charset="0"/>
+                <a:ea typeface="Source Sans Pro Light" charset="0"/>
+                <a:cs typeface="Source Sans Pro Light" charset="0"/>
+              </a:defRPr>
+            </a:lvl4pPr>
+            <a:lvl5pPr marL="2057400" indent="-228600" algn="l" defTabSz="914400" rtl="0" eaLnBrk="1" latinLnBrk="0" hangingPunct="1">
+              <a:spcBef>
+                <a:spcPct val="20000"/>
+              </a:spcBef>
+              <a:buFont typeface="Arial" pitchFamily="34" charset="0"/>
+              <a:buChar char="»"/>
+              <a:defRPr sz="2000" b="0" i="0" kern="1200">
+                <a:solidFill>
+                  <a:schemeClr val="tx1">
+                    <a:lumMod val="85000"/>
+                    <a:lumOff val="15000"/>
+                  </a:schemeClr>
+                </a:solidFill>
+                <a:latin typeface="Source Sans Pro Light" charset="0"/>
+                <a:ea typeface="Source Sans Pro Light" charset="0"/>
+                <a:cs typeface="Source Sans Pro Light" charset="0"/>
+              </a:defRPr>
+            </a:lvl5pPr>
+            <a:lvl6pPr marL="2514600" indent="-228600" algn="l" defTabSz="914400" rtl="0" eaLnBrk="1" latinLnBrk="0" hangingPunct="1">
+              <a:spcBef>
+                <a:spcPct val="20000"/>
+              </a:spcBef>
+              <a:buFont typeface="Arial" pitchFamily="34" charset="0"/>
+              <a:buChar char="•"/>
+              <a:defRPr sz="2000" kern="1200">
+                <a:solidFill>
+                  <a:schemeClr val="tx1"/>
+                </a:solidFill>
+                <a:latin typeface="+mn-lt"/>
+                <a:ea typeface="+mn-ea"/>
+                <a:cs typeface="+mn-cs"/>
+              </a:defRPr>
+            </a:lvl6pPr>
+            <a:lvl7pPr marL="2971800" indent="-228600" algn="l" defTabSz="914400" rtl="0" eaLnBrk="1" latinLnBrk="0" hangingPunct="1">
+              <a:spcBef>
+                <a:spcPct val="20000"/>
+              </a:spcBef>
+              <a:buFont typeface="Arial" pitchFamily="34" charset="0"/>
+              <a:buChar char="•"/>
+              <a:defRPr sz="2000" kern="1200">
+                <a:solidFill>
+                  <a:schemeClr val="tx1"/>
+                </a:solidFill>
+                <a:latin typeface="+mn-lt"/>
+                <a:ea typeface="+mn-ea"/>
+                <a:cs typeface="+mn-cs"/>
+              </a:defRPr>
+            </a:lvl7pPr>
+            <a:lvl8pPr marL="3429000" indent="-228600" algn="l" defTabSz="914400" rtl="0" eaLnBrk="1" latinLnBrk="0" hangingPunct="1">
+              <a:spcBef>
+                <a:spcPct val="20000"/>
+              </a:spcBef>
+              <a:buFont typeface="Arial" pitchFamily="34" charset="0"/>
+              <a:buChar char="•"/>
+              <a:defRPr sz="2000" kern="1200">
+                <a:solidFill>
+                  <a:schemeClr val="tx1"/>
+                </a:solidFill>
+                <a:latin typeface="+mn-lt"/>
+                <a:ea typeface="+mn-ea"/>
+                <a:cs typeface="+mn-cs"/>
+              </a:defRPr>
+            </a:lvl8pPr>
+            <a:lvl9pPr marL="3886200" indent="-228600" algn="l" defTabSz="914400" rtl="0" eaLnBrk="1" latinLnBrk="0" hangingPunct="1">
+              <a:spcBef>
+                <a:spcPct val="20000"/>
+              </a:spcBef>
+              <a:buFont typeface="Arial" pitchFamily="34" charset="0"/>
+              <a:buChar char="•"/>
+              <a:defRPr sz="2000" kern="1200">
+                <a:solidFill>
+                  <a:schemeClr val="tx1"/>
+                </a:solidFill>
+                <a:latin typeface="+mn-lt"/>
+                <a:ea typeface="+mn-ea"/>
+                <a:cs typeface="+mn-cs"/>
+              </a:defRPr>
+            </a:lvl9pPr>
+          </a:lstStyle>
+          <a:p>
+            <a:pPr marL="0" indent="0"/>
+            <a:r>
+              <a:rPr lang="en-US" sz="1400" dirty="0">
+                <a:latin typeface="Calibri" panose="020F0502020204030204" pitchFamily="34" charset="0"/>
+                <a:cs typeface="Calibri" panose="020F0502020204030204" pitchFamily="34" charset="0"/>
+              </a:rPr>
+              <a:t>French Meadows Powerhouse</a:t>
+            </a:r>
+          </a:p>
+          <a:p>
+            <a:pPr marL="0" indent="0"/>
+            <a:r>
+              <a:rPr lang="en-US" sz="1400" dirty="0">
+                <a:latin typeface="Calibri" panose="020F0502020204030204" pitchFamily="34" charset="0"/>
+                <a:cs typeface="Calibri" panose="020F0502020204030204" pitchFamily="34" charset="0"/>
+              </a:rPr>
+              <a:t>15.3 MW</a:t>
+            </a:r>
+          </a:p>
+        </p:txBody>
+      </p:sp>
+      <p:sp>
+        <p:nvSpPr>
+          <p:cNvPr id="28" name="Content Placeholder 2">
+            <a:extLst>
+              <a:ext uri="{FF2B5EF4-FFF2-40B4-BE49-F238E27FC236}">
+                <a16:creationId xmlns:a16="http://schemas.microsoft.com/office/drawing/2014/main" id="{21E3E6F2-39BF-4D44-A317-E62F6EE723E9}"/>
+              </a:ext>
+            </a:extLst>
+          </p:cNvPr>
+          <p:cNvSpPr txBox="1">
+            <a:spLocks/>
+          </p:cNvSpPr>
+          <p:nvPr/>
+        </p:nvSpPr>
+        <p:spPr>
+          <a:xfrm>
+            <a:off x="1610869" y="3543473"/>
+            <a:ext cx="1500574" cy="792162"/>
+          </a:xfrm>
+          <a:prstGeom prst="rect">
+            <a:avLst/>
+          </a:prstGeom>
+        </p:spPr>
+        <p:txBody>
+          <a:bodyPr vert="horz" lIns="91440" tIns="45720" rIns="91440" bIns="45720" rtlCol="0">
+            <a:normAutofit/>
+          </a:bodyPr>
+          <a:lstStyle>
+            <a:lvl1pPr marL="342900" indent="-342900" algn="l" defTabSz="914400" rtl="0" eaLnBrk="1" latinLnBrk="0" hangingPunct="1">
+              <a:spcBef>
+                <a:spcPct val="20000"/>
+              </a:spcBef>
+              <a:buFont typeface="Arial" pitchFamily="34" charset="0"/>
+              <a:buNone/>
+              <a:defRPr sz="2800" b="0" i="0" kern="1200">
+                <a:solidFill>
+                  <a:schemeClr val="tx1">
+                    <a:lumMod val="85000"/>
+                    <a:lumOff val="15000"/>
+                  </a:schemeClr>
+                </a:solidFill>
+                <a:latin typeface="Source Sans Pro Light" charset="0"/>
+                <a:ea typeface="Source Sans Pro Light" charset="0"/>
+                <a:cs typeface="Source Sans Pro Light" charset="0"/>
+              </a:defRPr>
+            </a:lvl1pPr>
+            <a:lvl2pPr marL="742950" indent="-285750" algn="l" defTabSz="914400" rtl="0" eaLnBrk="1" latinLnBrk="0" hangingPunct="1">
+              <a:spcBef>
+                <a:spcPct val="20000"/>
+              </a:spcBef>
+              <a:buFont typeface="Arial" panose="020B0604020202020204" pitchFamily="34" charset="0"/>
+              <a:buChar char="•"/>
+              <a:defRPr sz="2400" b="0" i="0" kern="1200">
+                <a:solidFill>
+                  <a:schemeClr val="tx1">
+                    <a:lumMod val="85000"/>
+                    <a:lumOff val="15000"/>
+                  </a:schemeClr>
+                </a:solidFill>
+                <a:latin typeface="Source Sans Pro Light" charset="0"/>
+                <a:ea typeface="Source Sans Pro Light" charset="0"/>
+                <a:cs typeface="Source Sans Pro Light" charset="0"/>
+              </a:defRPr>
+            </a:lvl2pPr>
+            <a:lvl3pPr marL="1143000" indent="-228600" algn="l" defTabSz="914400" rtl="0" eaLnBrk="1" latinLnBrk="0" hangingPunct="1">
+              <a:spcBef>
+                <a:spcPct val="20000"/>
+              </a:spcBef>
+              <a:buFont typeface="Arial" pitchFamily="34" charset="0"/>
+              <a:buChar char="•"/>
+              <a:defRPr sz="2000" b="0" i="0" kern="1200">
+                <a:solidFill>
+                  <a:schemeClr val="tx1">
+                    <a:lumMod val="85000"/>
+                    <a:lumOff val="15000"/>
+                  </a:schemeClr>
+                </a:solidFill>
+                <a:latin typeface="Source Sans Pro Light" charset="0"/>
+                <a:ea typeface="Source Sans Pro Light" charset="0"/>
+                <a:cs typeface="Source Sans Pro Light" charset="0"/>
+              </a:defRPr>
+            </a:lvl3pPr>
+            <a:lvl4pPr marL="1600200" indent="-228600" algn="l" defTabSz="914400" rtl="0" eaLnBrk="1" latinLnBrk="0" hangingPunct="1">
+              <a:spcBef>
+                <a:spcPct val="20000"/>
+              </a:spcBef>
+              <a:buFont typeface="Arial" pitchFamily="34" charset="0"/>
+              <a:buChar char="–"/>
+              <a:defRPr sz="2000" b="0" i="0" kern="1200">
+                <a:solidFill>
+                  <a:schemeClr val="tx1">
+                    <a:lumMod val="85000"/>
+                    <a:lumOff val="15000"/>
+                  </a:schemeClr>
+                </a:solidFill>
+                <a:latin typeface="Source Sans Pro Light" charset="0"/>
+                <a:ea typeface="Source Sans Pro Light" charset="0"/>
+                <a:cs typeface="Source Sans Pro Light" charset="0"/>
+              </a:defRPr>
+            </a:lvl4pPr>
+            <a:lvl5pPr marL="2057400" indent="-228600" algn="l" defTabSz="914400" rtl="0" eaLnBrk="1" latinLnBrk="0" hangingPunct="1">
+              <a:spcBef>
+                <a:spcPct val="20000"/>
+              </a:spcBef>
+              <a:buFont typeface="Arial" pitchFamily="34" charset="0"/>
+              <a:buChar char="»"/>
+              <a:defRPr sz="2000" b="0" i="0" kern="1200">
+                <a:solidFill>
+                  <a:schemeClr val="tx1">
+                    <a:lumMod val="85000"/>
+                    <a:lumOff val="15000"/>
+                  </a:schemeClr>
+                </a:solidFill>
+                <a:latin typeface="Source Sans Pro Light" charset="0"/>
+                <a:ea typeface="Source Sans Pro Light" charset="0"/>
+                <a:cs typeface="Source Sans Pro Light" charset="0"/>
+              </a:defRPr>
+            </a:lvl5pPr>
+            <a:lvl6pPr marL="2514600" indent="-228600" algn="l" defTabSz="914400" rtl="0" eaLnBrk="1" latinLnBrk="0" hangingPunct="1">
+              <a:spcBef>
+                <a:spcPct val="20000"/>
+              </a:spcBef>
+              <a:buFont typeface="Arial" pitchFamily="34" charset="0"/>
+              <a:buChar char="•"/>
+              <a:defRPr sz="2000" kern="1200">
+                <a:solidFill>
+                  <a:schemeClr val="tx1"/>
+                </a:solidFill>
+                <a:latin typeface="+mn-lt"/>
+                <a:ea typeface="+mn-ea"/>
+                <a:cs typeface="+mn-cs"/>
+              </a:defRPr>
+            </a:lvl6pPr>
+            <a:lvl7pPr marL="2971800" indent="-228600" algn="l" defTabSz="914400" rtl="0" eaLnBrk="1" latinLnBrk="0" hangingPunct="1">
+              <a:spcBef>
+                <a:spcPct val="20000"/>
+              </a:spcBef>
+              <a:buFont typeface="Arial" pitchFamily="34" charset="0"/>
+              <a:buChar char="•"/>
+              <a:defRPr sz="2000" kern="1200">
+                <a:solidFill>
+                  <a:schemeClr val="tx1"/>
+                </a:solidFill>
+                <a:latin typeface="+mn-lt"/>
+                <a:ea typeface="+mn-ea"/>
+                <a:cs typeface="+mn-cs"/>
+              </a:defRPr>
+            </a:lvl7pPr>
+            <a:lvl8pPr marL="3429000" indent="-228600" algn="l" defTabSz="914400" rtl="0" eaLnBrk="1" latinLnBrk="0" hangingPunct="1">
+              <a:spcBef>
+                <a:spcPct val="20000"/>
+              </a:spcBef>
+              <a:buFont typeface="Arial" pitchFamily="34" charset="0"/>
+              <a:buChar char="•"/>
+              <a:defRPr sz="2000" kern="1200">
+                <a:solidFill>
+                  <a:schemeClr val="tx1"/>
+                </a:solidFill>
+                <a:latin typeface="+mn-lt"/>
+                <a:ea typeface="+mn-ea"/>
+                <a:cs typeface="+mn-cs"/>
+              </a:defRPr>
+            </a:lvl8pPr>
+            <a:lvl9pPr marL="3886200" indent="-228600" algn="l" defTabSz="914400" rtl="0" eaLnBrk="1" latinLnBrk="0" hangingPunct="1">
+              <a:spcBef>
+                <a:spcPct val="20000"/>
+              </a:spcBef>
+              <a:buFont typeface="Arial" pitchFamily="34" charset="0"/>
+              <a:buChar char="•"/>
+              <a:defRPr sz="2000" kern="1200">
+                <a:solidFill>
+                  <a:schemeClr val="tx1"/>
+                </a:solidFill>
+                <a:latin typeface="+mn-lt"/>
+                <a:ea typeface="+mn-ea"/>
+                <a:cs typeface="+mn-cs"/>
+              </a:defRPr>
+            </a:lvl9pPr>
+          </a:lstStyle>
+          <a:p>
+            <a:pPr marL="0" indent="0"/>
+            <a:r>
+              <a:rPr lang="en-US" sz="1400" dirty="0">
+                <a:latin typeface="Calibri" panose="020F0502020204030204" pitchFamily="34" charset="0"/>
+                <a:cs typeface="Calibri" panose="020F0502020204030204" pitchFamily="34" charset="0"/>
+              </a:rPr>
+              <a:t>Middle Fork Powerhouse</a:t>
+            </a:r>
+          </a:p>
+          <a:p>
+            <a:pPr marL="0" indent="0"/>
+            <a:r>
+              <a:rPr lang="en-US" sz="1400" dirty="0">
+                <a:latin typeface="Calibri" panose="020F0502020204030204" pitchFamily="34" charset="0"/>
+                <a:cs typeface="Calibri" panose="020F0502020204030204" pitchFamily="34" charset="0"/>
+              </a:rPr>
+              <a:t>122.4 MW</a:t>
+            </a:r>
+          </a:p>
+        </p:txBody>
+      </p:sp>
+      <p:cxnSp>
+        <p:nvCxnSpPr>
+          <p:cNvPr id="29" name="Straight Connector 28">
+            <a:extLst>
+              <a:ext uri="{FF2B5EF4-FFF2-40B4-BE49-F238E27FC236}">
+                <a16:creationId xmlns:a16="http://schemas.microsoft.com/office/drawing/2014/main" id="{7367F01B-1D98-D646-AFF8-CEC86A299801}"/>
+              </a:ext>
+            </a:extLst>
+          </p:cNvPr>
+          <p:cNvCxnSpPr/>
+          <p:nvPr/>
+        </p:nvCxnSpPr>
+        <p:spPr>
+          <a:xfrm flipV="1">
+            <a:off x="1710427" y="2485822"/>
+            <a:ext cx="1066800" cy="626821"/>
+          </a:xfrm>
+          <a:prstGeom prst="line">
+            <a:avLst/>
+          </a:prstGeom>
+          <a:ln w="38100">
+            <a:solidFill>
+              <a:srgbClr val="00B050"/>
+            </a:solidFill>
+            <a:prstDash val="sysDot"/>
+          </a:ln>
+        </p:spPr>
+        <p:style>
+          <a:lnRef idx="1">
+            <a:schemeClr val="accent1"/>
+          </a:lnRef>
+          <a:fillRef idx="0">
+            <a:schemeClr val="accent1"/>
+          </a:fillRef>
+          <a:effectRef idx="0">
+            <a:schemeClr val="accent1"/>
+          </a:effectRef>
+          <a:fontRef idx="minor">
+            <a:schemeClr val="tx1"/>
+          </a:fontRef>
+        </p:style>
+      </p:cxnSp>
+      <p:cxnSp>
+        <p:nvCxnSpPr>
+          <p:cNvPr id="30" name="Straight Connector 29">
+            <a:extLst>
+              <a:ext uri="{FF2B5EF4-FFF2-40B4-BE49-F238E27FC236}">
+                <a16:creationId xmlns:a16="http://schemas.microsoft.com/office/drawing/2014/main" id="{DB71D88A-63A8-0C4A-B53B-061F44F81C30}"/>
+              </a:ext>
+            </a:extLst>
+          </p:cNvPr>
+          <p:cNvCxnSpPr/>
+          <p:nvPr/>
+        </p:nvCxnSpPr>
+        <p:spPr>
+          <a:xfrm flipV="1">
+            <a:off x="4098792" y="4656812"/>
+            <a:ext cx="1066800" cy="626821"/>
+          </a:xfrm>
+          <a:prstGeom prst="line">
+            <a:avLst/>
+          </a:prstGeom>
+          <a:ln w="38100">
+            <a:solidFill>
+              <a:srgbClr val="00B050"/>
+            </a:solidFill>
+            <a:prstDash val="sysDot"/>
+          </a:ln>
+        </p:spPr>
+        <p:style>
+          <a:lnRef idx="1">
+            <a:schemeClr val="accent1"/>
+          </a:lnRef>
+          <a:fillRef idx="0">
+            <a:schemeClr val="accent1"/>
+          </a:fillRef>
+          <a:effectRef idx="0">
+            <a:schemeClr val="accent1"/>
+          </a:effectRef>
+          <a:fontRef idx="minor">
+            <a:schemeClr val="tx1"/>
+          </a:fontRef>
+        </p:style>
+      </p:cxnSp>
+      <p:sp>
+        <p:nvSpPr>
+          <p:cNvPr id="31" name="Content Placeholder 2">
+            <a:extLst>
+              <a:ext uri="{FF2B5EF4-FFF2-40B4-BE49-F238E27FC236}">
+                <a16:creationId xmlns:a16="http://schemas.microsoft.com/office/drawing/2014/main" id="{D26593E9-3B9C-1940-AA92-C23F0B639DE0}"/>
+              </a:ext>
+            </a:extLst>
+          </p:cNvPr>
+          <p:cNvSpPr txBox="1">
+            <a:spLocks/>
+          </p:cNvSpPr>
+          <p:nvPr/>
+        </p:nvSpPr>
+        <p:spPr>
+          <a:xfrm rot="19727219">
+            <a:off x="1386606" y="2254411"/>
+            <a:ext cx="1590834" cy="792162"/>
+          </a:xfrm>
+          <a:prstGeom prst="rect">
+            <a:avLst/>
+          </a:prstGeom>
+        </p:spPr>
+        <p:txBody>
+          <a:bodyPr vert="horz" lIns="91440" tIns="45720" rIns="91440" bIns="45720" rtlCol="0">
+            <a:normAutofit/>
+          </a:bodyPr>
+          <a:lstStyle>
+            <a:lvl1pPr marL="342900" indent="-342900" algn="l" defTabSz="914400" rtl="0" eaLnBrk="1" latinLnBrk="0" hangingPunct="1">
+              <a:spcBef>
+                <a:spcPct val="20000"/>
+              </a:spcBef>
+              <a:buFont typeface="Arial" pitchFamily="34" charset="0"/>
+              <a:buNone/>
+              <a:defRPr sz="2800" b="0" i="0" kern="1200">
+                <a:solidFill>
+                  <a:schemeClr val="tx1">
+                    <a:lumMod val="85000"/>
+                    <a:lumOff val="15000"/>
+                  </a:schemeClr>
+                </a:solidFill>
+                <a:latin typeface="Source Sans Pro Light" charset="0"/>
+                <a:ea typeface="Source Sans Pro Light" charset="0"/>
+                <a:cs typeface="Source Sans Pro Light" charset="0"/>
+              </a:defRPr>
+            </a:lvl1pPr>
+            <a:lvl2pPr marL="742950" indent="-285750" algn="l" defTabSz="914400" rtl="0" eaLnBrk="1" latinLnBrk="0" hangingPunct="1">
+              <a:spcBef>
+                <a:spcPct val="20000"/>
+              </a:spcBef>
+              <a:buFont typeface="Arial" panose="020B0604020202020204" pitchFamily="34" charset="0"/>
+              <a:buChar char="•"/>
+              <a:defRPr sz="2400" b="0" i="0" kern="1200">
+                <a:solidFill>
+                  <a:schemeClr val="tx1">
+                    <a:lumMod val="85000"/>
+                    <a:lumOff val="15000"/>
+                  </a:schemeClr>
+                </a:solidFill>
+                <a:latin typeface="Source Sans Pro Light" charset="0"/>
+                <a:ea typeface="Source Sans Pro Light" charset="0"/>
+                <a:cs typeface="Source Sans Pro Light" charset="0"/>
+              </a:defRPr>
+            </a:lvl2pPr>
+            <a:lvl3pPr marL="1143000" indent="-228600" algn="l" defTabSz="914400" rtl="0" eaLnBrk="1" latinLnBrk="0" hangingPunct="1">
+              <a:spcBef>
+                <a:spcPct val="20000"/>
+              </a:spcBef>
+              <a:buFont typeface="Arial" pitchFamily="34" charset="0"/>
+              <a:buChar char="•"/>
+              <a:defRPr sz="2000" b="0" i="0" kern="1200">
+                <a:solidFill>
+                  <a:schemeClr val="tx1">
+                    <a:lumMod val="85000"/>
+                    <a:lumOff val="15000"/>
+                  </a:schemeClr>
+                </a:solidFill>
+                <a:latin typeface="Source Sans Pro Light" charset="0"/>
+                <a:ea typeface="Source Sans Pro Light" charset="0"/>
+                <a:cs typeface="Source Sans Pro Light" charset="0"/>
+              </a:defRPr>
+            </a:lvl3pPr>
+            <a:lvl4pPr marL="1600200" indent="-228600" algn="l" defTabSz="914400" rtl="0" eaLnBrk="1" latinLnBrk="0" hangingPunct="1">
+              <a:spcBef>
+                <a:spcPct val="20000"/>
+              </a:spcBef>
+              <a:buFont typeface="Arial" pitchFamily="34" charset="0"/>
+              <a:buChar char="–"/>
+              <a:defRPr sz="2000" b="0" i="0" kern="1200">
+                <a:solidFill>
+                  <a:schemeClr val="tx1">
+                    <a:lumMod val="85000"/>
+                    <a:lumOff val="15000"/>
+                  </a:schemeClr>
+                </a:solidFill>
+                <a:latin typeface="Source Sans Pro Light" charset="0"/>
+                <a:ea typeface="Source Sans Pro Light" charset="0"/>
+                <a:cs typeface="Source Sans Pro Light" charset="0"/>
+              </a:defRPr>
+            </a:lvl4pPr>
+            <a:lvl5pPr marL="2057400" indent="-228600" algn="l" defTabSz="914400" rtl="0" eaLnBrk="1" latinLnBrk="0" hangingPunct="1">
+              <a:spcBef>
+                <a:spcPct val="20000"/>
+              </a:spcBef>
+              <a:buFont typeface="Arial" pitchFamily="34" charset="0"/>
+              <a:buChar char="»"/>
+              <a:defRPr sz="2000" b="0" i="0" kern="1200">
+                <a:solidFill>
+                  <a:schemeClr val="tx1">
+                    <a:lumMod val="85000"/>
+                    <a:lumOff val="15000"/>
+                  </a:schemeClr>
+                </a:solidFill>
+                <a:latin typeface="Source Sans Pro Light" charset="0"/>
+                <a:ea typeface="Source Sans Pro Light" charset="0"/>
+                <a:cs typeface="Source Sans Pro Light" charset="0"/>
+              </a:defRPr>
+            </a:lvl5pPr>
+            <a:lvl6pPr marL="2514600" indent="-228600" algn="l" defTabSz="914400" rtl="0" eaLnBrk="1" latinLnBrk="0" hangingPunct="1">
+              <a:spcBef>
+                <a:spcPct val="20000"/>
+              </a:spcBef>
+              <a:buFont typeface="Arial" pitchFamily="34" charset="0"/>
+              <a:buChar char="•"/>
+              <a:defRPr sz="2000" kern="1200">
+                <a:solidFill>
+                  <a:schemeClr val="tx1"/>
+                </a:solidFill>
+                <a:latin typeface="+mn-lt"/>
+                <a:ea typeface="+mn-ea"/>
+                <a:cs typeface="+mn-cs"/>
+              </a:defRPr>
+            </a:lvl6pPr>
+            <a:lvl7pPr marL="2971800" indent="-228600" algn="l" defTabSz="914400" rtl="0" eaLnBrk="1" latinLnBrk="0" hangingPunct="1">
+              <a:spcBef>
+                <a:spcPct val="20000"/>
+              </a:spcBef>
+              <a:buFont typeface="Arial" pitchFamily="34" charset="0"/>
+              <a:buChar char="•"/>
+              <a:defRPr sz="2000" kern="1200">
+                <a:solidFill>
+                  <a:schemeClr val="tx1"/>
+                </a:solidFill>
+                <a:latin typeface="+mn-lt"/>
+                <a:ea typeface="+mn-ea"/>
+                <a:cs typeface="+mn-cs"/>
+              </a:defRPr>
+            </a:lvl7pPr>
+            <a:lvl8pPr marL="3429000" indent="-228600" algn="l" defTabSz="914400" rtl="0" eaLnBrk="1" latinLnBrk="0" hangingPunct="1">
+              <a:spcBef>
+                <a:spcPct val="20000"/>
+              </a:spcBef>
+              <a:buFont typeface="Arial" pitchFamily="34" charset="0"/>
+              <a:buChar char="•"/>
+              <a:defRPr sz="2000" kern="1200">
+                <a:solidFill>
+                  <a:schemeClr val="tx1"/>
+                </a:solidFill>
+                <a:latin typeface="+mn-lt"/>
+                <a:ea typeface="+mn-ea"/>
+                <a:cs typeface="+mn-cs"/>
+              </a:defRPr>
+            </a:lvl8pPr>
+            <a:lvl9pPr marL="3886200" indent="-228600" algn="l" defTabSz="914400" rtl="0" eaLnBrk="1" latinLnBrk="0" hangingPunct="1">
+              <a:spcBef>
+                <a:spcPct val="20000"/>
+              </a:spcBef>
+              <a:buFont typeface="Arial" pitchFamily="34" charset="0"/>
+              <a:buChar char="•"/>
+              <a:defRPr sz="2000" kern="1200">
+                <a:solidFill>
+                  <a:schemeClr val="tx1"/>
+                </a:solidFill>
+                <a:latin typeface="+mn-lt"/>
+                <a:ea typeface="+mn-ea"/>
+                <a:cs typeface="+mn-cs"/>
+              </a:defRPr>
+            </a:lvl9pPr>
+          </a:lstStyle>
+          <a:p>
+            <a:pPr marL="0" indent="0"/>
+            <a:r>
+              <a:rPr lang="en-US" sz="1400" dirty="0">
+                <a:solidFill>
+                  <a:srgbClr val="00B050"/>
+                </a:solidFill>
+                <a:latin typeface="Calibri" panose="020F0502020204030204" pitchFamily="34" charset="0"/>
+                <a:cs typeface="Calibri" panose="020F0502020204030204" pitchFamily="34" charset="0"/>
+              </a:rPr>
+              <a:t>Environmental flow requirements</a:t>
+            </a:r>
+          </a:p>
+        </p:txBody>
+      </p:sp>
+      <p:sp>
+        <p:nvSpPr>
+          <p:cNvPr id="32" name="Content Placeholder 2">
+            <a:extLst>
+              <a:ext uri="{FF2B5EF4-FFF2-40B4-BE49-F238E27FC236}">
+                <a16:creationId xmlns:a16="http://schemas.microsoft.com/office/drawing/2014/main" id="{EEEE3C75-99D5-FB47-B6C0-D9506F2EE71E}"/>
+              </a:ext>
+            </a:extLst>
+          </p:cNvPr>
+          <p:cNvSpPr txBox="1">
+            <a:spLocks/>
+          </p:cNvSpPr>
+          <p:nvPr/>
+        </p:nvSpPr>
+        <p:spPr>
+          <a:xfrm rot="19727219">
+            <a:off x="4167019" y="4821384"/>
+            <a:ext cx="1590834" cy="792162"/>
+          </a:xfrm>
+          <a:prstGeom prst="rect">
+            <a:avLst/>
+          </a:prstGeom>
+        </p:spPr>
+        <p:txBody>
+          <a:bodyPr vert="horz" lIns="91440" tIns="45720" rIns="91440" bIns="45720" rtlCol="0">
+            <a:normAutofit/>
+          </a:bodyPr>
+          <a:lstStyle>
+            <a:lvl1pPr marL="342900" indent="-342900" algn="l" defTabSz="914400" rtl="0" eaLnBrk="1" latinLnBrk="0" hangingPunct="1">
+              <a:spcBef>
+                <a:spcPct val="20000"/>
+              </a:spcBef>
+              <a:buFont typeface="Arial" pitchFamily="34" charset="0"/>
+              <a:buNone/>
+              <a:defRPr sz="2800" b="0" i="0" kern="1200">
+                <a:solidFill>
+                  <a:schemeClr val="tx1">
+                    <a:lumMod val="85000"/>
+                    <a:lumOff val="15000"/>
+                  </a:schemeClr>
+                </a:solidFill>
+                <a:latin typeface="Source Sans Pro Light" charset="0"/>
+                <a:ea typeface="Source Sans Pro Light" charset="0"/>
+                <a:cs typeface="Source Sans Pro Light" charset="0"/>
+              </a:defRPr>
+            </a:lvl1pPr>
+            <a:lvl2pPr marL="742950" indent="-285750" algn="l" defTabSz="914400" rtl="0" eaLnBrk="1" latinLnBrk="0" hangingPunct="1">
+              <a:spcBef>
+                <a:spcPct val="20000"/>
+              </a:spcBef>
+              <a:buFont typeface="Arial" panose="020B0604020202020204" pitchFamily="34" charset="0"/>
+              <a:buChar char="•"/>
+              <a:defRPr sz="2400" b="0" i="0" kern="1200">
+                <a:solidFill>
+                  <a:schemeClr val="tx1">
+                    <a:lumMod val="85000"/>
+                    <a:lumOff val="15000"/>
+                  </a:schemeClr>
+                </a:solidFill>
+                <a:latin typeface="Source Sans Pro Light" charset="0"/>
+                <a:ea typeface="Source Sans Pro Light" charset="0"/>
+                <a:cs typeface="Source Sans Pro Light" charset="0"/>
+              </a:defRPr>
+            </a:lvl2pPr>
+            <a:lvl3pPr marL="1143000" indent="-228600" algn="l" defTabSz="914400" rtl="0" eaLnBrk="1" latinLnBrk="0" hangingPunct="1">
+              <a:spcBef>
+                <a:spcPct val="20000"/>
+              </a:spcBef>
+              <a:buFont typeface="Arial" pitchFamily="34" charset="0"/>
+              <a:buChar char="•"/>
+              <a:defRPr sz="2000" b="0" i="0" kern="1200">
+                <a:solidFill>
+                  <a:schemeClr val="tx1">
+                    <a:lumMod val="85000"/>
+                    <a:lumOff val="15000"/>
+                  </a:schemeClr>
+                </a:solidFill>
+                <a:latin typeface="Source Sans Pro Light" charset="0"/>
+                <a:ea typeface="Source Sans Pro Light" charset="0"/>
+                <a:cs typeface="Source Sans Pro Light" charset="0"/>
+              </a:defRPr>
+            </a:lvl3pPr>
+            <a:lvl4pPr marL="1600200" indent="-228600" algn="l" defTabSz="914400" rtl="0" eaLnBrk="1" latinLnBrk="0" hangingPunct="1">
+              <a:spcBef>
+                <a:spcPct val="20000"/>
+              </a:spcBef>
+              <a:buFont typeface="Arial" pitchFamily="34" charset="0"/>
+              <a:buChar char="–"/>
+              <a:defRPr sz="2000" b="0" i="0" kern="1200">
+                <a:solidFill>
+                  <a:schemeClr val="tx1">
+                    <a:lumMod val="85000"/>
+                    <a:lumOff val="15000"/>
+                  </a:schemeClr>
+                </a:solidFill>
+                <a:latin typeface="Source Sans Pro Light" charset="0"/>
+                <a:ea typeface="Source Sans Pro Light" charset="0"/>
+                <a:cs typeface="Source Sans Pro Light" charset="0"/>
+              </a:defRPr>
+            </a:lvl4pPr>
+            <a:lvl5pPr marL="2057400" indent="-228600" algn="l" defTabSz="914400" rtl="0" eaLnBrk="1" latinLnBrk="0" hangingPunct="1">
+              <a:spcBef>
+                <a:spcPct val="20000"/>
+              </a:spcBef>
+              <a:buFont typeface="Arial" pitchFamily="34" charset="0"/>
+              <a:buChar char="»"/>
+              <a:defRPr sz="2000" b="0" i="0" kern="1200">
+                <a:solidFill>
+                  <a:schemeClr val="tx1">
+                    <a:lumMod val="85000"/>
+                    <a:lumOff val="15000"/>
+                  </a:schemeClr>
+                </a:solidFill>
+                <a:latin typeface="Source Sans Pro Light" charset="0"/>
+                <a:ea typeface="Source Sans Pro Light" charset="0"/>
+                <a:cs typeface="Source Sans Pro Light" charset="0"/>
+              </a:defRPr>
+            </a:lvl5pPr>
+            <a:lvl6pPr marL="2514600" indent="-228600" algn="l" defTabSz="914400" rtl="0" eaLnBrk="1" latinLnBrk="0" hangingPunct="1">
+              <a:spcBef>
+                <a:spcPct val="20000"/>
+              </a:spcBef>
+              <a:buFont typeface="Arial" pitchFamily="34" charset="0"/>
+              <a:buChar char="•"/>
+              <a:defRPr sz="2000" kern="1200">
+                <a:solidFill>
+                  <a:schemeClr val="tx1"/>
+                </a:solidFill>
+                <a:latin typeface="+mn-lt"/>
+                <a:ea typeface="+mn-ea"/>
+                <a:cs typeface="+mn-cs"/>
+              </a:defRPr>
+            </a:lvl6pPr>
+            <a:lvl7pPr marL="2971800" indent="-228600" algn="l" defTabSz="914400" rtl="0" eaLnBrk="1" latinLnBrk="0" hangingPunct="1">
+              <a:spcBef>
+                <a:spcPct val="20000"/>
+              </a:spcBef>
+              <a:buFont typeface="Arial" pitchFamily="34" charset="0"/>
+              <a:buChar char="•"/>
+              <a:defRPr sz="2000" kern="1200">
+                <a:solidFill>
+                  <a:schemeClr val="tx1"/>
+                </a:solidFill>
+                <a:latin typeface="+mn-lt"/>
+                <a:ea typeface="+mn-ea"/>
+                <a:cs typeface="+mn-cs"/>
+              </a:defRPr>
+            </a:lvl7pPr>
+            <a:lvl8pPr marL="3429000" indent="-228600" algn="l" defTabSz="914400" rtl="0" eaLnBrk="1" latinLnBrk="0" hangingPunct="1">
+              <a:spcBef>
+                <a:spcPct val="20000"/>
+              </a:spcBef>
+              <a:buFont typeface="Arial" pitchFamily="34" charset="0"/>
+              <a:buChar char="•"/>
+              <a:defRPr sz="2000" kern="1200">
+                <a:solidFill>
+                  <a:schemeClr val="tx1"/>
+                </a:solidFill>
+                <a:latin typeface="+mn-lt"/>
+                <a:ea typeface="+mn-ea"/>
+                <a:cs typeface="+mn-cs"/>
+              </a:defRPr>
+            </a:lvl8pPr>
+            <a:lvl9pPr marL="3886200" indent="-228600" algn="l" defTabSz="914400" rtl="0" eaLnBrk="1" latinLnBrk="0" hangingPunct="1">
+              <a:spcBef>
+                <a:spcPct val="20000"/>
+              </a:spcBef>
+              <a:buFont typeface="Arial" pitchFamily="34" charset="0"/>
+              <a:buChar char="•"/>
+              <a:defRPr sz="2000" kern="1200">
+                <a:solidFill>
+                  <a:schemeClr val="tx1"/>
+                </a:solidFill>
+                <a:latin typeface="+mn-lt"/>
+                <a:ea typeface="+mn-ea"/>
+                <a:cs typeface="+mn-cs"/>
+              </a:defRPr>
+            </a:lvl9pPr>
+          </a:lstStyle>
+          <a:p>
+            <a:pPr marL="0" indent="0"/>
+            <a:r>
+              <a:rPr lang="en-US" sz="1400" dirty="0">
+                <a:solidFill>
+                  <a:srgbClr val="00B050"/>
+                </a:solidFill>
+                <a:latin typeface="Calibri" panose="020F0502020204030204" pitchFamily="34" charset="0"/>
+                <a:cs typeface="Calibri" panose="020F0502020204030204" pitchFamily="34" charset="0"/>
+              </a:rPr>
+              <a:t>Environmental flow requirements</a:t>
+            </a:r>
+          </a:p>
+        </p:txBody>
+      </p:sp>
+      <p:sp>
+        <p:nvSpPr>
+          <p:cNvPr id="2" name="TextBox 1">
+            <a:extLst>
+              <a:ext uri="{FF2B5EF4-FFF2-40B4-BE49-F238E27FC236}">
+                <a16:creationId xmlns:a16="http://schemas.microsoft.com/office/drawing/2014/main" id="{AB591581-862C-7B41-9BAD-C607E4936405}"/>
+              </a:ext>
+            </a:extLst>
+          </p:cNvPr>
+          <p:cNvSpPr txBox="1"/>
+          <p:nvPr/>
+        </p:nvSpPr>
+        <p:spPr>
+          <a:xfrm>
+            <a:off x="304800" y="152400"/>
+            <a:ext cx="1981200" cy="369332"/>
+          </a:xfrm>
+          <a:prstGeom prst="rect">
+            <a:avLst/>
+          </a:prstGeom>
+          <a:noFill/>
+        </p:spPr>
+        <p:txBody>
+          <a:bodyPr wrap="square" rtlCol="0">
+            <a:spAutoFit/>
+          </a:bodyPr>
+          <a:lstStyle/>
+          <a:p>
+            <a:r>
+              <a:rPr lang="en-US" dirty="0"/>
+              <a:t>Original version</a:t>
+            </a:r>
+          </a:p>
+        </p:txBody>
+      </p:sp>
+    </p:spTree>
+    <p:extLst>
+      <p:ext uri="{BB962C8B-B14F-4D97-AF65-F5344CB8AC3E}">
+        <p14:creationId xmlns:p14="http://schemas.microsoft.com/office/powerpoint/2010/main" val="1558155818"/>
       </p:ext>
     </p:extLst>
   </p:cSld>
